--- a/Presentation.pptx
+++ b/Presentation.pptx
@@ -5,7 +5,7 @@
     <p:sldMasterId id="2147483648" r:id="rId1"/>
   </p:sldMasterIdLst>
   <p:notesMasterIdLst>
-    <p:notesMasterId r:id="rId8"/>
+    <p:notesMasterId r:id="rId12"/>
   </p:notesMasterIdLst>
   <p:sldIdLst>
     <p:sldId id="256" r:id="rId2"/>
@@ -13,7 +13,11 @@
     <p:sldId id="258" r:id="rId4"/>
     <p:sldId id="261" r:id="rId5"/>
     <p:sldId id="262" r:id="rId6"/>
-    <p:sldId id="263" r:id="rId7"/>
+    <p:sldId id="264" r:id="rId7"/>
+    <p:sldId id="263" r:id="rId8"/>
+    <p:sldId id="265" r:id="rId9"/>
+    <p:sldId id="266" r:id="rId10"/>
+    <p:sldId id="267" r:id="rId11"/>
   </p:sldIdLst>
   <p:sldSz cx="12192000" cy="6858000"/>
   <p:notesSz cx="6858000" cy="9144000"/>
@@ -112,6 +116,11 @@
       </a:defRPr>
     </a:lvl9pPr>
   </p:defaultTextStyle>
+  <p:extLst>
+    <p:ext uri="{EFAFB233-063F-42B5-8137-9DF3F51BA10A}">
+      <p15:sldGuideLst xmlns:p15="http://schemas.microsoft.com/office/powerpoint/2012/main"/>
+    </p:ext>
+  </p:extLst>
 </p:presentation>
 </file>
 
@@ -197,7 +206,7 @@
           <a:p>
             <a:fld id="{FC0604F2-8EB7-F146-999F-2FE2A1B67336}" type="datetimeFigureOut">
               <a:rPr lang="en-US" smtClean="0"/>
-              <a:t>12/8/18</a:t>
+              <a:t>12/12/18</a:t>
             </a:fld>
             <a:endParaRPr lang="en-US"/>
           </a:p>
@@ -863,7 +872,7 @@
           <a:p>
             <a:fld id="{81112ABD-EEFC-B048-B289-94406E60398D}" type="datetimeFigureOut">
               <a:rPr lang="en-US" smtClean="0"/>
-              <a:t>12/8/18</a:t>
+              <a:t>12/12/18</a:t>
             </a:fld>
             <a:endParaRPr lang="en-US"/>
           </a:p>
@@ -1061,7 +1070,7 @@
           <a:p>
             <a:fld id="{81112ABD-EEFC-B048-B289-94406E60398D}" type="datetimeFigureOut">
               <a:rPr lang="en-US" smtClean="0"/>
-              <a:t>12/8/18</a:t>
+              <a:t>12/12/18</a:t>
             </a:fld>
             <a:endParaRPr lang="en-US"/>
           </a:p>
@@ -1269,7 +1278,7 @@
           <a:p>
             <a:fld id="{81112ABD-EEFC-B048-B289-94406E60398D}" type="datetimeFigureOut">
               <a:rPr lang="en-US" smtClean="0"/>
-              <a:t>12/8/18</a:t>
+              <a:t>12/12/18</a:t>
             </a:fld>
             <a:endParaRPr lang="en-US"/>
           </a:p>
@@ -1467,7 +1476,7 @@
           <a:p>
             <a:fld id="{81112ABD-EEFC-B048-B289-94406E60398D}" type="datetimeFigureOut">
               <a:rPr lang="en-US" smtClean="0"/>
-              <a:t>12/8/18</a:t>
+              <a:t>12/12/18</a:t>
             </a:fld>
             <a:endParaRPr lang="en-US"/>
           </a:p>
@@ -1742,7 +1751,7 @@
           <a:p>
             <a:fld id="{81112ABD-EEFC-B048-B289-94406E60398D}" type="datetimeFigureOut">
               <a:rPr lang="en-US" smtClean="0"/>
-              <a:t>12/8/18</a:t>
+              <a:t>12/12/18</a:t>
             </a:fld>
             <a:endParaRPr lang="en-US"/>
           </a:p>
@@ -2007,7 +2016,7 @@
           <a:p>
             <a:fld id="{81112ABD-EEFC-B048-B289-94406E60398D}" type="datetimeFigureOut">
               <a:rPr lang="en-US" smtClean="0"/>
-              <a:t>12/8/18</a:t>
+              <a:t>12/12/18</a:t>
             </a:fld>
             <a:endParaRPr lang="en-US"/>
           </a:p>
@@ -2419,7 +2428,7 @@
           <a:p>
             <a:fld id="{81112ABD-EEFC-B048-B289-94406E60398D}" type="datetimeFigureOut">
               <a:rPr lang="en-US" smtClean="0"/>
-              <a:t>12/8/18</a:t>
+              <a:t>12/12/18</a:t>
             </a:fld>
             <a:endParaRPr lang="en-US"/>
           </a:p>
@@ -2560,7 +2569,7 @@
           <a:p>
             <a:fld id="{81112ABD-EEFC-B048-B289-94406E60398D}" type="datetimeFigureOut">
               <a:rPr lang="en-US" smtClean="0"/>
-              <a:t>12/8/18</a:t>
+              <a:t>12/12/18</a:t>
             </a:fld>
             <a:endParaRPr lang="en-US"/>
           </a:p>
@@ -2673,7 +2682,7 @@
           <a:p>
             <a:fld id="{81112ABD-EEFC-B048-B289-94406E60398D}" type="datetimeFigureOut">
               <a:rPr lang="en-US" smtClean="0"/>
-              <a:t>12/8/18</a:t>
+              <a:t>12/12/18</a:t>
             </a:fld>
             <a:endParaRPr lang="en-US"/>
           </a:p>
@@ -2984,7 +2993,7 @@
           <a:p>
             <a:fld id="{81112ABD-EEFC-B048-B289-94406E60398D}" type="datetimeFigureOut">
               <a:rPr lang="en-US" smtClean="0"/>
-              <a:t>12/8/18</a:t>
+              <a:t>12/12/18</a:t>
             </a:fld>
             <a:endParaRPr lang="en-US"/>
           </a:p>
@@ -3272,7 +3281,7 @@
           <a:p>
             <a:fld id="{81112ABD-EEFC-B048-B289-94406E60398D}" type="datetimeFigureOut">
               <a:rPr lang="en-US" smtClean="0"/>
-              <a:t>12/8/18</a:t>
+              <a:t>12/12/18</a:t>
             </a:fld>
             <a:endParaRPr lang="en-US"/>
           </a:p>
@@ -3516,7 +3525,7 @@
           <a:p>
             <a:fld id="{81112ABD-EEFC-B048-B289-94406E60398D}" type="datetimeFigureOut">
               <a:rPr lang="en-US" smtClean="0"/>
-              <a:t>12/8/18</a:t>
+              <a:t>12/12/18</a:t>
             </a:fld>
             <a:endParaRPr lang="en-US"/>
           </a:p>
@@ -3999,6 +4008,296 @@
 </p:sld>
 </file>
 
+<file path=ppt/slides/slide10.xml><?xml version="1.0" encoding="utf-8"?>
+<p:sld xmlns:a="http://schemas.openxmlformats.org/drawingml/2006/main" xmlns:r="http://schemas.openxmlformats.org/officeDocument/2006/relationships" xmlns:p="http://schemas.openxmlformats.org/presentationml/2006/main">
+  <p:cSld>
+    <p:bg>
+      <p:bgPr>
+        <a:solidFill>
+          <a:schemeClr val="bg1"/>
+        </a:solidFill>
+        <a:effectLst/>
+      </p:bgPr>
+    </p:bg>
+    <p:spTree>
+      <p:nvGrpSpPr>
+        <p:cNvPr id="1" name=""/>
+        <p:cNvGrpSpPr/>
+        <p:nvPr/>
+      </p:nvGrpSpPr>
+      <p:grpSpPr>
+        <a:xfrm>
+          <a:off x="0" y="0"/>
+          <a:ext cx="0" cy="0"/>
+          <a:chOff x="0" y="0"/>
+          <a:chExt cx="0" cy="0"/>
+        </a:xfrm>
+      </p:grpSpPr>
+      <p:sp>
+        <p:nvSpPr>
+          <p:cNvPr id="9" name="Rectangle 8">
+            <a:extLst>
+              <a:ext uri="{FF2B5EF4-FFF2-40B4-BE49-F238E27FC236}">
+                <a16:creationId xmlns:a16="http://schemas.microsoft.com/office/drawing/2014/main" id="{867D4867-5BA7-4462-B2F6-A23F4A622AA7}"/>
+              </a:ext>
+              <a:ext uri="{C183D7F6-B498-43B3-948B-1728B52AA6E4}">
+                <adec:decorative xmlns:adec="http://schemas.microsoft.com/office/drawing/2017/decorative" val="1"/>
+              </a:ext>
+            </a:extLst>
+          </p:cNvPr>
+          <p:cNvSpPr>
+            <a:spLocks noGrp="1" noRot="1" noChangeAspect="1" noMove="1" noResize="1" noEditPoints="1" noAdjustHandles="1" noChangeArrowheads="1" noChangeShapeType="1" noTextEdit="1"/>
+          </p:cNvSpPr>
+          <p:nvPr>
+            <p:extLst>
+              <p:ext uri="{386F3935-93C4-4BCD-93E2-E3B085C9AB24}">
+                <p16:designElem xmlns:p16="http://schemas.microsoft.com/office/powerpoint/2015/main" val="1"/>
+              </p:ext>
+            </p:extLst>
+          </p:nvPr>
+        </p:nvSpPr>
+        <p:spPr>
+          <a:xfrm>
+            <a:off x="0" y="0"/>
+            <a:ext cx="4654296" cy="6858000"/>
+          </a:xfrm>
+          <a:prstGeom prst="rect">
+            <a:avLst/>
+          </a:prstGeom>
+          <a:solidFill>
+            <a:schemeClr val="tx1">
+              <a:lumMod val="75000"/>
+              <a:lumOff val="25000"/>
+            </a:schemeClr>
+          </a:solidFill>
+          <a:ln>
+            <a:noFill/>
+          </a:ln>
+        </p:spPr>
+        <p:style>
+          <a:lnRef idx="0">
+            <a:scrgbClr r="0" g="0" b="0"/>
+          </a:lnRef>
+          <a:fillRef idx="0">
+            <a:scrgbClr r="0" g="0" b="0"/>
+          </a:fillRef>
+          <a:effectRef idx="0">
+            <a:scrgbClr r="0" g="0" b="0"/>
+          </a:effectRef>
+          <a:fontRef idx="minor">
+            <a:schemeClr val="lt1"/>
+          </a:fontRef>
+        </p:style>
+        <p:txBody>
+          <a:bodyPr rtlCol="0" anchor="ctr"/>
+          <a:lstStyle/>
+          <a:p>
+            <a:pPr algn="ctr"/>
+            <a:endParaRPr lang="en-US"/>
+          </a:p>
+        </p:txBody>
+      </p:sp>
+      <p:sp>
+        <p:nvSpPr>
+          <p:cNvPr id="2" name="Title 1">
+            <a:extLst>
+              <a:ext uri="{FF2B5EF4-FFF2-40B4-BE49-F238E27FC236}">
+                <a16:creationId xmlns:a16="http://schemas.microsoft.com/office/drawing/2014/main" id="{239B5521-4CB4-6240-95FE-5BFE71DC482C}"/>
+              </a:ext>
+            </a:extLst>
+          </p:cNvPr>
+          <p:cNvSpPr>
+            <a:spLocks noGrp="1"/>
+          </p:cNvSpPr>
+          <p:nvPr>
+            <p:ph type="title"/>
+          </p:nvPr>
+        </p:nvSpPr>
+        <p:spPr>
+          <a:xfrm>
+            <a:off x="643467" y="643467"/>
+            <a:ext cx="3363974" cy="1597315"/>
+          </a:xfrm>
+          <a:noFill/>
+          <a:ln w="19050">
+            <a:solidFill>
+              <a:schemeClr val="bg1"/>
+            </a:solidFill>
+          </a:ln>
+        </p:spPr>
+        <p:txBody>
+          <a:bodyPr wrap="square">
+            <a:normAutofit/>
+          </a:bodyPr>
+          <a:lstStyle/>
+          <a:p>
+            <a:pPr algn="ctr"/>
+            <a:r>
+              <a:rPr lang="en-US" sz="2800">
+                <a:solidFill>
+                  <a:schemeClr val="bg1"/>
+                </a:solidFill>
+              </a:rPr>
+              <a:t>Data Exploration</a:t>
+            </a:r>
+          </a:p>
+        </p:txBody>
+      </p:sp>
+      <p:sp>
+        <p:nvSpPr>
+          <p:cNvPr id="3" name="Content Placeholder 2">
+            <a:extLst>
+              <a:ext uri="{FF2B5EF4-FFF2-40B4-BE49-F238E27FC236}">
+                <a16:creationId xmlns:a16="http://schemas.microsoft.com/office/drawing/2014/main" id="{4DD61ACC-4666-E741-8236-2C2C45BFEFB0}"/>
+              </a:ext>
+            </a:extLst>
+          </p:cNvPr>
+          <p:cNvSpPr>
+            <a:spLocks noGrp="1"/>
+          </p:cNvSpPr>
+          <p:nvPr>
+            <p:ph idx="1"/>
+          </p:nvPr>
+        </p:nvSpPr>
+        <p:spPr>
+          <a:xfrm>
+            <a:off x="643468" y="2638044"/>
+            <a:ext cx="3363974" cy="3415622"/>
+          </a:xfrm>
+        </p:spPr>
+        <p:txBody>
+          <a:bodyPr>
+            <a:normAutofit/>
+          </a:bodyPr>
+          <a:lstStyle/>
+          <a:p>
+            <a:r>
+              <a:rPr lang="en-US" sz="1900">
+                <a:solidFill>
+                  <a:schemeClr val="bg1"/>
+                </a:solidFill>
+              </a:rPr>
+              <a:t>Now, we take a look at the correlation between each parameter</a:t>
+            </a:r>
+          </a:p>
+          <a:p>
+            <a:pPr lvl="1"/>
+            <a:r>
+              <a:rPr lang="en-US" sz="1900">
+                <a:solidFill>
+                  <a:schemeClr val="bg1"/>
+                </a:solidFill>
+              </a:rPr>
+              <a:t>Correlation allows us to see which parameters are redundant and save us from overparameterizing the model</a:t>
+            </a:r>
+          </a:p>
+          <a:p>
+            <a:pPr lvl="1"/>
+            <a:r>
+              <a:rPr lang="en-US" sz="1900">
+                <a:solidFill>
+                  <a:schemeClr val="bg1"/>
+                </a:solidFill>
+              </a:rPr>
+              <a:t>Symmetric matrix with 1’s across the diameter is expected</a:t>
+            </a:r>
+          </a:p>
+        </p:txBody>
+      </p:sp>
+      <p:grpSp>
+        <p:nvGrpSpPr>
+          <p:cNvPr id="6" name="Group 5">
+            <a:extLst>
+              <a:ext uri="{FF2B5EF4-FFF2-40B4-BE49-F238E27FC236}">
+                <a16:creationId xmlns:a16="http://schemas.microsoft.com/office/drawing/2014/main" id="{23A650A7-6FE8-1A4B-88E6-547A2B0740E3}"/>
+              </a:ext>
+            </a:extLst>
+          </p:cNvPr>
+          <p:cNvGrpSpPr/>
+          <p:nvPr/>
+        </p:nvGrpSpPr>
+        <p:grpSpPr>
+          <a:xfrm>
+            <a:off x="5724797" y="393503"/>
+            <a:ext cx="5526024" cy="6070993"/>
+            <a:chOff x="6022508" y="643467"/>
+            <a:chExt cx="5526024" cy="6070993"/>
+          </a:xfrm>
+        </p:grpSpPr>
+        <p:pic>
+          <p:nvPicPr>
+            <p:cNvPr id="4" name="Picture 3" descr="A screenshot of a cell phone&#13;&#10;&#13;&#10;Description automatically generated">
+              <a:extLst>
+                <a:ext uri="{FF2B5EF4-FFF2-40B4-BE49-F238E27FC236}">
+                  <a16:creationId xmlns:a16="http://schemas.microsoft.com/office/drawing/2014/main" id="{F7B52273-8B1B-8043-8E4A-C1501A722392}"/>
+                </a:ext>
+              </a:extLst>
+            </p:cNvPr>
+            <p:cNvPicPr>
+              <a:picLocks noChangeAspect="1"/>
+            </p:cNvPicPr>
+            <p:nvPr/>
+          </p:nvPicPr>
+          <p:blipFill>
+            <a:blip r:embed="rId2"/>
+            <a:stretch>
+              <a:fillRect/>
+            </a:stretch>
+          </p:blipFill>
+          <p:spPr>
+            <a:xfrm>
+              <a:off x="6022508" y="643467"/>
+              <a:ext cx="5526024" cy="2168963"/>
+            </a:xfrm>
+            <a:prstGeom prst="rect">
+              <a:avLst/>
+            </a:prstGeom>
+          </p:spPr>
+        </p:pic>
+        <p:pic>
+          <p:nvPicPr>
+            <p:cNvPr id="5" name="Picture 4">
+              <a:extLst>
+                <a:ext uri="{FF2B5EF4-FFF2-40B4-BE49-F238E27FC236}">
+                  <a16:creationId xmlns:a16="http://schemas.microsoft.com/office/drawing/2014/main" id="{4DD564FA-E18A-2840-BB94-4896FDD7A0B9}"/>
+                </a:ext>
+              </a:extLst>
+            </p:cNvPr>
+            <p:cNvPicPr>
+              <a:picLocks noChangeAspect="1"/>
+            </p:cNvPicPr>
+            <p:nvPr/>
+          </p:nvPicPr>
+          <p:blipFill>
+            <a:blip r:embed="rId3"/>
+            <a:stretch>
+              <a:fillRect/>
+            </a:stretch>
+          </p:blipFill>
+          <p:spPr>
+            <a:xfrm>
+              <a:off x="6022508" y="2696251"/>
+              <a:ext cx="5526024" cy="4018209"/>
+            </a:xfrm>
+            <a:prstGeom prst="rect">
+              <a:avLst/>
+            </a:prstGeom>
+          </p:spPr>
+        </p:pic>
+      </p:grpSp>
+    </p:spTree>
+    <p:extLst>
+      <p:ext uri="{BB962C8B-B14F-4D97-AF65-F5344CB8AC3E}">
+        <p14:creationId xmlns:p14="http://schemas.microsoft.com/office/powerpoint/2010/main" val="751610722"/>
+      </p:ext>
+    </p:extLst>
+  </p:cSld>
+  <p:clrMapOvr>
+    <a:masterClrMapping/>
+  </p:clrMapOvr>
+</p:sld>
+</file>
+
 <file path=ppt/slides/slide2.xml><?xml version="1.0" encoding="utf-8"?>
 <p:sld xmlns:a="http://schemas.openxmlformats.org/drawingml/2006/main" xmlns:r="http://schemas.openxmlformats.org/officeDocument/2006/relationships" xmlns:p="http://schemas.openxmlformats.org/presentationml/2006/main">
   <p:cSld>
@@ -4982,6 +5281,14 @@
 <file path=ppt/slides/slide6.xml><?xml version="1.0" encoding="utf-8"?>
 <p:sld xmlns:a="http://schemas.openxmlformats.org/drawingml/2006/main" xmlns:r="http://schemas.openxmlformats.org/officeDocument/2006/relationships" xmlns:p="http://schemas.openxmlformats.org/presentationml/2006/main">
   <p:cSld>
+    <p:bg>
+      <p:bgPr>
+        <a:solidFill>
+          <a:schemeClr val="bg1"/>
+        </a:solidFill>
+        <a:effectLst/>
+      </p:bgPr>
+    </p:bg>
     <p:spTree>
       <p:nvGrpSpPr>
         <p:cNvPr id="1" name=""/>
@@ -4998,9 +5305,320 @@
       </p:grpSpPr>
       <p:sp>
         <p:nvSpPr>
+          <p:cNvPr id="14" name="Rectangle 13">
+            <a:extLst>
+              <a:ext uri="{FF2B5EF4-FFF2-40B4-BE49-F238E27FC236}">
+                <a16:creationId xmlns:a16="http://schemas.microsoft.com/office/drawing/2014/main" id="{867D4867-5BA7-4462-B2F6-A23F4A622AA7}"/>
+              </a:ext>
+              <a:ext uri="{C183D7F6-B498-43B3-948B-1728B52AA6E4}">
+                <adec:decorative xmlns:adec="http://schemas.microsoft.com/office/drawing/2017/decorative" val="1"/>
+              </a:ext>
+            </a:extLst>
+          </p:cNvPr>
+          <p:cNvSpPr>
+            <a:spLocks noGrp="1" noRot="1" noChangeAspect="1" noMove="1" noResize="1" noEditPoints="1" noAdjustHandles="1" noChangeArrowheads="1" noChangeShapeType="1" noTextEdit="1"/>
+          </p:cNvSpPr>
+          <p:nvPr>
+            <p:extLst>
+              <p:ext uri="{386F3935-93C4-4BCD-93E2-E3B085C9AB24}">
+                <p16:designElem xmlns:p16="http://schemas.microsoft.com/office/powerpoint/2015/main" val="1"/>
+              </p:ext>
+            </p:extLst>
+          </p:nvPr>
+        </p:nvSpPr>
+        <p:spPr>
+          <a:xfrm>
+            <a:off x="0" y="0"/>
+            <a:ext cx="4654296" cy="6858000"/>
+          </a:xfrm>
+          <a:prstGeom prst="rect">
+            <a:avLst/>
+          </a:prstGeom>
+          <a:solidFill>
+            <a:schemeClr val="tx1">
+              <a:lumMod val="75000"/>
+              <a:lumOff val="25000"/>
+            </a:schemeClr>
+          </a:solidFill>
+          <a:ln>
+            <a:noFill/>
+          </a:ln>
+        </p:spPr>
+        <p:style>
+          <a:lnRef idx="0">
+            <a:scrgbClr r="0" g="0" b="0"/>
+          </a:lnRef>
+          <a:fillRef idx="0">
+            <a:scrgbClr r="0" g="0" b="0"/>
+          </a:fillRef>
+          <a:effectRef idx="0">
+            <a:scrgbClr r="0" g="0" b="0"/>
+          </a:effectRef>
+          <a:fontRef idx="minor">
+            <a:schemeClr val="lt1"/>
+          </a:fontRef>
+        </p:style>
+        <p:txBody>
+          <a:bodyPr rtlCol="0" anchor="ctr"/>
+          <a:lstStyle/>
+          <a:p>
+            <a:pPr algn="ctr"/>
+            <a:endParaRPr lang="en-US"/>
+          </a:p>
+        </p:txBody>
+      </p:sp>
+      <p:sp>
+        <p:nvSpPr>
           <p:cNvPr id="2" name="Title 1">
             <a:extLst>
               <a:ext uri="{FF2B5EF4-FFF2-40B4-BE49-F238E27FC236}">
+                <a16:creationId xmlns:a16="http://schemas.microsoft.com/office/drawing/2014/main" id="{E8A90B25-0593-9C41-8CE1-1A1D5F93CCFF}"/>
+              </a:ext>
+            </a:extLst>
+          </p:cNvPr>
+          <p:cNvSpPr>
+            <a:spLocks noGrp="1"/>
+          </p:cNvSpPr>
+          <p:nvPr>
+            <p:ph type="title"/>
+          </p:nvPr>
+        </p:nvSpPr>
+        <p:spPr>
+          <a:xfrm>
+            <a:off x="643467" y="643467"/>
+            <a:ext cx="3363974" cy="1597315"/>
+          </a:xfrm>
+          <a:noFill/>
+          <a:ln w="19050">
+            <a:solidFill>
+              <a:schemeClr val="bg1"/>
+            </a:solidFill>
+          </a:ln>
+        </p:spPr>
+        <p:txBody>
+          <a:bodyPr wrap="square">
+            <a:normAutofit/>
+          </a:bodyPr>
+          <a:lstStyle/>
+          <a:p>
+            <a:pPr algn="ctr"/>
+            <a:r>
+              <a:rPr lang="en-US" sz="2800">
+                <a:solidFill>
+                  <a:schemeClr val="bg1"/>
+                </a:solidFill>
+              </a:rPr>
+              <a:t>A Quick Look at the Target Response</a:t>
+            </a:r>
+          </a:p>
+        </p:txBody>
+      </p:sp>
+      <p:sp>
+        <p:nvSpPr>
+          <p:cNvPr id="3" name="Content Placeholder 2">
+            <a:extLst>
+              <a:ext uri="{FF2B5EF4-FFF2-40B4-BE49-F238E27FC236}">
+                <a16:creationId xmlns:a16="http://schemas.microsoft.com/office/drawing/2014/main" id="{2C06B25E-11E5-DA44-A16E-4429AC583503}"/>
+              </a:ext>
+            </a:extLst>
+          </p:cNvPr>
+          <p:cNvSpPr>
+            <a:spLocks noGrp="1"/>
+          </p:cNvSpPr>
+          <p:nvPr>
+            <p:ph idx="1"/>
+          </p:nvPr>
+        </p:nvSpPr>
+        <p:spPr>
+          <a:xfrm>
+            <a:off x="643468" y="2638044"/>
+            <a:ext cx="3363974" cy="3415622"/>
+          </a:xfrm>
+        </p:spPr>
+        <p:txBody>
+          <a:bodyPr>
+            <a:normAutofit/>
+          </a:bodyPr>
+          <a:lstStyle/>
+          <a:p>
+            <a:r>
+              <a:rPr lang="en-US" sz="2000">
+                <a:solidFill>
+                  <a:schemeClr val="bg1"/>
+                </a:solidFill>
+              </a:rPr>
+              <a:t>Alternate slide</a:t>
+            </a:r>
+          </a:p>
+        </p:txBody>
+      </p:sp>
+      <p:pic>
+        <p:nvPicPr>
+          <p:cNvPr id="4" name="Picture 3" descr="A screenshot of a social media post&#10;&#10;Description automatically generated">
+            <a:extLst>
+              <a:ext uri="{FF2B5EF4-FFF2-40B4-BE49-F238E27FC236}">
+                <a16:creationId xmlns:a16="http://schemas.microsoft.com/office/drawing/2014/main" id="{87D170AB-5B53-7849-A364-CBF0A427ABCA}"/>
+              </a:ext>
+            </a:extLst>
+          </p:cNvPr>
+          <p:cNvPicPr>
+            <a:picLocks noChangeAspect="1"/>
+          </p:cNvPicPr>
+          <p:nvPr/>
+        </p:nvPicPr>
+        <p:blipFill>
+          <a:blip r:embed="rId2"/>
+          <a:stretch>
+            <a:fillRect/>
+          </a:stretch>
+        </p:blipFill>
+        <p:spPr>
+          <a:xfrm>
+            <a:off x="6096000" y="506432"/>
+            <a:ext cx="4890778" cy="3068963"/>
+          </a:xfrm>
+          <a:prstGeom prst="rect">
+            <a:avLst/>
+          </a:prstGeom>
+        </p:spPr>
+      </p:pic>
+      <p:pic>
+        <p:nvPicPr>
+          <p:cNvPr id="5" name="Picture 4">
+            <a:extLst>
+              <a:ext uri="{FF2B5EF4-FFF2-40B4-BE49-F238E27FC236}">
+                <a16:creationId xmlns:a16="http://schemas.microsoft.com/office/drawing/2014/main" id="{1CD69C9F-D650-6141-8F56-93502DA379C6}"/>
+              </a:ext>
+            </a:extLst>
+          </p:cNvPr>
+          <p:cNvPicPr>
+            <a:picLocks noChangeAspect="1"/>
+          </p:cNvPicPr>
+          <p:nvPr/>
+        </p:nvPicPr>
+        <p:blipFill>
+          <a:blip r:embed="rId3"/>
+          <a:stretch>
+            <a:fillRect/>
+          </a:stretch>
+        </p:blipFill>
+        <p:spPr>
+          <a:xfrm>
+            <a:off x="6096000" y="3459022"/>
+            <a:ext cx="4890778" cy="2892546"/>
+          </a:xfrm>
+          <a:prstGeom prst="rect">
+            <a:avLst/>
+          </a:prstGeom>
+        </p:spPr>
+      </p:pic>
+    </p:spTree>
+    <p:extLst>
+      <p:ext uri="{BB962C8B-B14F-4D97-AF65-F5344CB8AC3E}">
+        <p14:creationId xmlns:p14="http://schemas.microsoft.com/office/powerpoint/2010/main" val="521504280"/>
+      </p:ext>
+    </p:extLst>
+  </p:cSld>
+  <p:clrMapOvr>
+    <a:masterClrMapping/>
+  </p:clrMapOvr>
+</p:sld>
+</file>
+
+<file path=ppt/slides/slide7.xml><?xml version="1.0" encoding="utf-8"?>
+<p:sld xmlns:a="http://schemas.openxmlformats.org/drawingml/2006/main" xmlns:r="http://schemas.openxmlformats.org/officeDocument/2006/relationships" xmlns:p="http://schemas.openxmlformats.org/presentationml/2006/main">
+  <p:cSld>
+    <p:bg>
+      <p:bgPr>
+        <a:solidFill>
+          <a:schemeClr val="bg1"/>
+        </a:solidFill>
+        <a:effectLst/>
+      </p:bgPr>
+    </p:bg>
+    <p:spTree>
+      <p:nvGrpSpPr>
+        <p:cNvPr id="1" name=""/>
+        <p:cNvGrpSpPr/>
+        <p:nvPr/>
+      </p:nvGrpSpPr>
+      <p:grpSpPr>
+        <a:xfrm>
+          <a:off x="0" y="0"/>
+          <a:ext cx="0" cy="0"/>
+          <a:chOff x="0" y="0"/>
+          <a:chExt cx="0" cy="0"/>
+        </a:xfrm>
+      </p:grpSpPr>
+      <p:sp>
+        <p:nvSpPr>
+          <p:cNvPr id="9" name="Rectangle 8">
+            <a:extLst>
+              <a:ext uri="{FF2B5EF4-FFF2-40B4-BE49-F238E27FC236}">
+                <a16:creationId xmlns:a16="http://schemas.microsoft.com/office/drawing/2014/main" id="{867D4867-5BA7-4462-B2F6-A23F4A622AA7}"/>
+              </a:ext>
+              <a:ext uri="{C183D7F6-B498-43B3-948B-1728B52AA6E4}">
+                <adec:decorative xmlns:adec="http://schemas.microsoft.com/office/drawing/2017/decorative" val="1"/>
+              </a:ext>
+            </a:extLst>
+          </p:cNvPr>
+          <p:cNvSpPr>
+            <a:spLocks noGrp="1" noRot="1" noChangeAspect="1" noMove="1" noResize="1" noEditPoints="1" noAdjustHandles="1" noChangeArrowheads="1" noChangeShapeType="1" noTextEdit="1"/>
+          </p:cNvSpPr>
+          <p:nvPr>
+            <p:extLst>
+              <p:ext uri="{386F3935-93C4-4BCD-93E2-E3B085C9AB24}">
+                <p16:designElem xmlns:p16="http://schemas.microsoft.com/office/powerpoint/2015/main" val="1"/>
+              </p:ext>
+            </p:extLst>
+          </p:nvPr>
+        </p:nvSpPr>
+        <p:spPr>
+          <a:xfrm>
+            <a:off x="0" y="0"/>
+            <a:ext cx="4654296" cy="6858000"/>
+          </a:xfrm>
+          <a:prstGeom prst="rect">
+            <a:avLst/>
+          </a:prstGeom>
+          <a:solidFill>
+            <a:schemeClr val="tx1">
+              <a:lumMod val="75000"/>
+              <a:lumOff val="25000"/>
+            </a:schemeClr>
+          </a:solidFill>
+          <a:ln>
+            <a:noFill/>
+          </a:ln>
+        </p:spPr>
+        <p:style>
+          <a:lnRef idx="0">
+            <a:scrgbClr r="0" g="0" b="0"/>
+          </a:lnRef>
+          <a:fillRef idx="0">
+            <a:scrgbClr r="0" g="0" b="0"/>
+          </a:fillRef>
+          <a:effectRef idx="0">
+            <a:scrgbClr r="0" g="0" b="0"/>
+          </a:effectRef>
+          <a:fontRef idx="minor">
+            <a:schemeClr val="lt1"/>
+          </a:fontRef>
+        </p:style>
+        <p:txBody>
+          <a:bodyPr rtlCol="0" anchor="ctr"/>
+          <a:lstStyle/>
+          <a:p>
+            <a:pPr algn="ctr"/>
+            <a:endParaRPr lang="en-US"/>
+          </a:p>
+        </p:txBody>
+      </p:sp>
+      <p:sp>
+        <p:nvSpPr>
+          <p:cNvPr id="2" name="Title 1">
+            <a:extLst>
+              <a:ext uri="{FF2B5EF4-FFF2-40B4-BE49-F238E27FC236}">
                 <a16:creationId xmlns:a16="http://schemas.microsoft.com/office/drawing/2014/main" id="{FEA9D7A2-C213-504C-8852-B8BA80D8AD30}"/>
               </a:ext>
             </a:extLst>
@@ -5012,13 +5630,31 @@
             <p:ph type="title"/>
           </p:nvPr>
         </p:nvSpPr>
-        <p:spPr/>
-        <p:txBody>
-          <a:bodyPr/>
-          <a:lstStyle/>
-          <a:p>
-            <a:r>
-              <a:rPr lang="en-US" dirty="0"/>
+        <p:spPr>
+          <a:xfrm>
+            <a:off x="643467" y="643467"/>
+            <a:ext cx="3363974" cy="1597315"/>
+          </a:xfrm>
+          <a:noFill/>
+          <a:ln w="19050">
+            <a:solidFill>
+              <a:schemeClr val="bg1"/>
+            </a:solidFill>
+          </a:ln>
+        </p:spPr>
+        <p:txBody>
+          <a:bodyPr wrap="square">
+            <a:normAutofit/>
+          </a:bodyPr>
+          <a:lstStyle/>
+          <a:p>
+            <a:pPr algn="ctr"/>
+            <a:r>
+              <a:rPr lang="en-US" sz="2800">
+                <a:solidFill>
+                  <a:schemeClr val="bg1"/>
+                </a:solidFill>
+              </a:rPr>
               <a:t>A Quick Look at Target Variable </a:t>
             </a:r>
           </a:p>
@@ -5042,13 +5678,24 @@
                 <p:ph idx="1"/>
               </p:nvPr>
             </p:nvSpPr>
-            <p:spPr/>
+            <p:spPr>
+              <a:xfrm>
+                <a:off x="643468" y="2638044"/>
+                <a:ext cx="3363974" cy="3415622"/>
+              </a:xfrm>
+            </p:spPr>
             <p:txBody>
-              <a:bodyPr/>
+              <a:bodyPr>
+                <a:normAutofit/>
+              </a:bodyPr>
               <a:lstStyle/>
               <a:p>
                 <a:r>
-                  <a:rPr lang="en-US" dirty="0"/>
+                  <a:rPr lang="en-US" sz="2000" dirty="0">
+                    <a:solidFill>
+                      <a:schemeClr val="bg1"/>
+                    </a:solidFill>
+                  </a:rPr>
                   <a:t>Using the error function </a:t>
                 </a:r>
                 <a14:m>
@@ -5056,14 +5703,20 @@
                     <m:sSub>
                       <m:sSubPr>
                         <m:ctrlPr>
-                          <a:rPr lang="en-US" b="0" i="1" smtClean="0">
+                          <a:rPr lang="en-US" sz="2000" b="0" i="1">
+                            <a:solidFill>
+                              <a:schemeClr val="bg1"/>
+                            </a:solidFill>
                             <a:latin typeface="Cambria Math" panose="02040503050406030204" pitchFamily="18" charset="0"/>
                           </a:rPr>
                         </m:ctrlPr>
                       </m:sSubPr>
                       <m:e>
                         <m:r>
-                          <a:rPr lang="en-US" b="0" i="1" smtClean="0">
+                          <a:rPr lang="en-US" sz="2000" b="0" i="1">
+                            <a:solidFill>
+                              <a:schemeClr val="bg1"/>
+                            </a:solidFill>
                             <a:latin typeface="Cambria Math" panose="02040503050406030204" pitchFamily="18" charset="0"/>
                           </a:rPr>
                           <m:t>𝐸</m:t>
@@ -5071,7 +5724,10 @@
                       </m:e>
                       <m:sub>
                         <m:r>
-                          <a:rPr lang="en-US" b="0" i="1" smtClean="0">
+                          <a:rPr lang="en-US" sz="2000" b="0" i="1">
+                            <a:solidFill>
+                              <a:schemeClr val="bg1"/>
+                            </a:solidFill>
                             <a:latin typeface="Cambria Math" panose="02040503050406030204" pitchFamily="18" charset="0"/>
                           </a:rPr>
                           <m:t>0</m:t>
@@ -5079,7 +5735,10 @@
                       </m:sub>
                     </m:sSub>
                     <m:r>
-                      <a:rPr lang="en-US" b="0" i="1" smtClean="0">
+                      <a:rPr lang="en-US" sz="2000" b="0" i="1">
+                        <a:solidFill>
+                          <a:schemeClr val="bg1"/>
+                        </a:solidFill>
                         <a:latin typeface="Cambria Math" panose="02040503050406030204" pitchFamily="18" charset="0"/>
                       </a:rPr>
                       <m:t>=</m:t>
@@ -5087,14 +5746,20 @@
                     <m:f>
                       <m:fPr>
                         <m:ctrlPr>
-                          <a:rPr lang="en-US" b="0" i="1" smtClean="0">
+                          <a:rPr lang="en-US" sz="2000" b="0" i="1">
+                            <a:solidFill>
+                              <a:schemeClr val="bg1"/>
+                            </a:solidFill>
                             <a:latin typeface="Cambria Math" panose="02040503050406030204" pitchFamily="18" charset="0"/>
                           </a:rPr>
                         </m:ctrlPr>
                       </m:fPr>
                       <m:num>
                         <m:r>
-                          <a:rPr lang="en-US" b="0" i="1" smtClean="0">
+                          <a:rPr lang="en-US" sz="2000" b="0" i="1">
+                            <a:solidFill>
+                              <a:schemeClr val="bg1"/>
+                            </a:solidFill>
                             <a:latin typeface="Cambria Math" panose="02040503050406030204" pitchFamily="18" charset="0"/>
                           </a:rPr>
                           <m:t>1</m:t>
@@ -5102,7 +5767,10 @@
                       </m:num>
                       <m:den>
                         <m:r>
-                          <a:rPr lang="en-US" b="0" i="1" smtClean="0">
+                          <a:rPr lang="en-US" sz="2000" b="0" i="1">
+                            <a:solidFill>
+                              <a:schemeClr val="bg1"/>
+                            </a:solidFill>
                             <a:latin typeface="Cambria Math" panose="02040503050406030204" pitchFamily="18" charset="0"/>
                           </a:rPr>
                           <m:t>2</m:t>
@@ -5113,20 +5781,29 @@
                       <m:naryPr>
                         <m:chr m:val="∑"/>
                         <m:ctrlPr>
-                          <a:rPr lang="en-US" b="0" i="1" smtClean="0">
+                          <a:rPr lang="en-US" sz="2000" b="0" i="1">
+                            <a:solidFill>
+                              <a:schemeClr val="bg1"/>
+                            </a:solidFill>
                             <a:latin typeface="Cambria Math" panose="02040503050406030204" pitchFamily="18" charset="0"/>
                           </a:rPr>
                         </m:ctrlPr>
                       </m:naryPr>
                       <m:sub>
                         <m:r>
-                          <a:rPr lang="en-US" b="0" i="1" smtClean="0">
+                          <a:rPr lang="en-US" sz="2000" b="0" i="1">
+                            <a:solidFill>
+                              <a:schemeClr val="bg1"/>
+                            </a:solidFill>
                             <a:latin typeface="Cambria Math" panose="02040503050406030204" pitchFamily="18" charset="0"/>
                           </a:rPr>
                           <m:t>𝑖</m:t>
                         </m:r>
                         <m:r>
-                          <a:rPr lang="en-US" b="0" i="1" smtClean="0">
+                          <a:rPr lang="en-US" sz="2000" b="0" i="1">
+                            <a:solidFill>
+                              <a:schemeClr val="bg1"/>
+                            </a:solidFill>
                             <a:latin typeface="Cambria Math" panose="02040503050406030204" pitchFamily="18" charset="0"/>
                           </a:rPr>
                           <m:t>=1</m:t>
@@ -5134,7 +5811,10 @@
                       </m:sub>
                       <m:sup>
                         <m:r>
-                          <a:rPr lang="en-US" b="0" i="1" smtClean="0">
+                          <a:rPr lang="en-US" sz="2000" b="0" i="1">
+                            <a:solidFill>
+                              <a:schemeClr val="bg1"/>
+                            </a:solidFill>
                             <a:latin typeface="Cambria Math" panose="02040503050406030204" pitchFamily="18" charset="0"/>
                           </a:rPr>
                           <m:t>1459</m:t>
@@ -5144,7 +5824,10 @@
                         <m:sSup>
                           <m:sSupPr>
                             <m:ctrlPr>
-                              <a:rPr lang="en-US" b="0" i="1" smtClean="0">
+                              <a:rPr lang="en-US" sz="2000" b="0" i="1">
+                                <a:solidFill>
+                                  <a:schemeClr val="bg1"/>
+                                </a:solidFill>
                                 <a:latin typeface="Cambria Math" panose="02040503050406030204" pitchFamily="18" charset="0"/>
                               </a:rPr>
                             </m:ctrlPr>
@@ -5153,7 +5836,10 @@
                             <m:d>
                               <m:dPr>
                                 <m:ctrlPr>
-                                  <a:rPr lang="en-US" b="0" i="1" smtClean="0">
+                                  <a:rPr lang="en-US" sz="2000" b="0" i="1">
+                                    <a:solidFill>
+                                      <a:schemeClr val="bg1"/>
+                                    </a:solidFill>
                                     <a:latin typeface="Cambria Math" panose="02040503050406030204" pitchFamily="18" charset="0"/>
                                   </a:rPr>
                                 </m:ctrlPr>
@@ -5162,14 +5848,20 @@
                                 <m:sSup>
                                   <m:sSupPr>
                                     <m:ctrlPr>
-                                      <a:rPr lang="en-US" b="0" i="1" smtClean="0">
+                                      <a:rPr lang="en-US" sz="2000" b="0" i="1">
+                                        <a:solidFill>
+                                          <a:schemeClr val="bg1"/>
+                                        </a:solidFill>
                                         <a:latin typeface="Cambria Math" panose="02040503050406030204" pitchFamily="18" charset="0"/>
                                       </a:rPr>
                                     </m:ctrlPr>
                                   </m:sSupPr>
                                   <m:e>
                                     <m:r>
-                                      <a:rPr lang="en-US" b="0" i="1" smtClean="0">
+                                      <a:rPr lang="en-US" sz="2000" b="0" i="1">
+                                        <a:solidFill>
+                                          <a:schemeClr val="bg1"/>
+                                        </a:solidFill>
                                         <a:latin typeface="Cambria Math" panose="02040503050406030204" pitchFamily="18" charset="0"/>
                                       </a:rPr>
                                       <m:t>𝑦</m:t>
@@ -5177,7 +5869,10 @@
                                   </m:e>
                                   <m:sup>
                                     <m:r>
-                                      <a:rPr lang="en-US" b="0" i="1" smtClean="0">
+                                      <a:rPr lang="en-US" sz="2000" b="0" i="1">
+                                        <a:solidFill>
+                                          <a:schemeClr val="bg1"/>
+                                        </a:solidFill>
                                         <a:latin typeface="Cambria Math" panose="02040503050406030204" pitchFamily="18" charset="0"/>
                                       </a:rPr>
                                       <m:t>𝑖</m:t>
@@ -5185,7 +5880,10 @@
                                   </m:sup>
                                 </m:sSup>
                                 <m:r>
-                                  <a:rPr lang="en-US" b="0" i="1" smtClean="0">
+                                  <a:rPr lang="en-US" sz="2000" b="0" i="1">
+                                    <a:solidFill>
+                                      <a:schemeClr val="bg1"/>
+                                    </a:solidFill>
                                     <a:latin typeface="Cambria Math" panose="02040503050406030204" pitchFamily="18" charset="0"/>
                                   </a:rPr>
                                   <m:t>−</m:t>
@@ -5194,14 +5892,20 @@
                                   <m:accPr>
                                     <m:chr m:val="̅"/>
                                     <m:ctrlPr>
-                                      <a:rPr lang="en-US" b="0" i="1" smtClean="0">
+                                      <a:rPr lang="en-US" sz="2000" b="0" i="1">
+                                        <a:solidFill>
+                                          <a:schemeClr val="bg1"/>
+                                        </a:solidFill>
                                         <a:latin typeface="Cambria Math" panose="02040503050406030204" pitchFamily="18" charset="0"/>
                                       </a:rPr>
                                     </m:ctrlPr>
                                   </m:accPr>
                                   <m:e>
                                     <m:r>
-                                      <a:rPr lang="en-US" b="0" i="1" smtClean="0">
+                                      <a:rPr lang="en-US" sz="2000" b="0" i="1">
+                                        <a:solidFill>
+                                          <a:schemeClr val="bg1"/>
+                                        </a:solidFill>
                                         <a:latin typeface="Cambria Math" panose="02040503050406030204" pitchFamily="18" charset="0"/>
                                       </a:rPr>
                                       <m:t>𝑦</m:t>
@@ -5213,7 +5917,10 @@
                           </m:e>
                           <m:sup>
                             <m:r>
-                              <a:rPr lang="en-US" b="0" i="1" smtClean="0">
+                              <a:rPr lang="en-US" sz="2000" b="0" i="1">
+                                <a:solidFill>
+                                  <a:schemeClr val="bg1"/>
+                                </a:solidFill>
                                 <a:latin typeface="Cambria Math" panose="02040503050406030204" pitchFamily="18" charset="0"/>
                               </a:rPr>
                               <m:t>2</m:t>
@@ -5225,36 +5932,298 @@
                   </m:oMath>
                 </a14:m>
                 <a:r>
-                  <a:rPr lang="en-US" b="0" dirty="0"/>
+                  <a:rPr lang="en-US" sz="2000" b="0" dirty="0">
+                    <a:solidFill>
+                      <a:schemeClr val="bg1"/>
+                    </a:solidFill>
+                  </a:rPr>
                   <a:t> to give error just based on using mean as the predictor</a:t>
                 </a:r>
               </a:p>
               <a:p>
                 <a:r>
-                  <a:rPr lang="en-US" b="0" dirty="0"/>
+                  <a:rPr lang="en-US" sz="2000" b="0" dirty="0">
+                    <a:solidFill>
+                      <a:schemeClr val="bg1"/>
+                    </a:solidFill>
+                  </a:rPr>
                   <a:t>Then using Mean Absolute Error Function</a:t>
                 </a:r>
                 <a:r>
-                  <a:rPr lang="en-US" dirty="0"/>
-                  <a:t>: </a:t>
+                  <a:rPr lang="en-US" sz="2000" dirty="0">
+                    <a:solidFill>
+                      <a:schemeClr val="bg1"/>
+                    </a:solidFill>
+                  </a:rPr>
+                  <a:t>:</a:t>
                 </a:r>
+              </a:p>
+              <a:p>
+                <a:pPr marL="457200" lvl="1" indent="0">
+                  <a:buNone/>
+                </a:pPr>
                 <a14:m>
                   <m:oMath xmlns:m="http://schemas.openxmlformats.org/officeDocument/2006/math">
+                    <m:sSub>
+                      <m:sSubPr>
+                        <m:ctrlPr>
+                          <a:rPr lang="en-US" sz="1800" b="0" i="1">
+                            <a:solidFill>
+                              <a:schemeClr val="bg1"/>
+                            </a:solidFill>
+                            <a:latin typeface="Cambria Math" panose="02040503050406030204" pitchFamily="18" charset="0"/>
+                          </a:rPr>
+                        </m:ctrlPr>
+                      </m:sSubPr>
+                      <m:e>
+                        <m:r>
+                          <a:rPr lang="en-US" sz="1800" b="0" i="1">
+                            <a:solidFill>
+                              <a:schemeClr val="bg1"/>
+                            </a:solidFill>
+                            <a:latin typeface="Cambria Math" panose="02040503050406030204" pitchFamily="18" charset="0"/>
+                          </a:rPr>
+                          <m:t>𝐸</m:t>
+                        </m:r>
+                      </m:e>
+                      <m:sub>
+                        <m:r>
+                          <a:rPr lang="en-US" sz="1800" b="0" i="1">
+                            <a:solidFill>
+                              <a:schemeClr val="bg1"/>
+                            </a:solidFill>
+                            <a:latin typeface="Cambria Math" panose="02040503050406030204" pitchFamily="18" charset="0"/>
+                          </a:rPr>
+                          <m:t>0</m:t>
+                        </m:r>
+                      </m:sub>
+                    </m:sSub>
                     <m:r>
-                      <a:rPr lang="en-US" b="0" i="1" smtClean="0">
+                      <a:rPr lang="en-US" sz="1800" b="0" i="1">
+                        <a:solidFill>
+                          <a:schemeClr val="bg1"/>
+                        </a:solidFill>
                         <a:latin typeface="Cambria Math" panose="02040503050406030204" pitchFamily="18" charset="0"/>
                       </a:rPr>
-                      <m:t>𝐸</m:t>
+                      <m:t>=</m:t>
                     </m:r>
-                    <m:r>
-                      <a:rPr lang="en-US" b="0" i="1" smtClean="0">
-                        <a:latin typeface="Cambria Math" panose="02040503050406030204" pitchFamily="18" charset="0"/>
-                      </a:rPr>
-                      <m:t>= </m:t>
-                    </m:r>
+                    <m:f>
+                      <m:fPr>
+                        <m:ctrlPr>
+                          <a:rPr lang="en-US" sz="1800" b="0" i="1">
+                            <a:solidFill>
+                              <a:schemeClr val="bg1"/>
+                            </a:solidFill>
+                            <a:latin typeface="Cambria Math" panose="02040503050406030204" pitchFamily="18" charset="0"/>
+                          </a:rPr>
+                        </m:ctrlPr>
+                      </m:fPr>
+                      <m:num>
+                        <m:r>
+                          <a:rPr lang="en-US" sz="1800" b="0" i="1">
+                            <a:solidFill>
+                              <a:schemeClr val="bg1"/>
+                            </a:solidFill>
+                            <a:latin typeface="Cambria Math" panose="02040503050406030204" pitchFamily="18" charset="0"/>
+                          </a:rPr>
+                          <m:t>1</m:t>
+                        </m:r>
+                      </m:num>
+                      <m:den>
+                        <m:r>
+                          <a:rPr lang="en-US" sz="1800" b="0" i="1">
+                            <a:solidFill>
+                              <a:schemeClr val="bg1"/>
+                            </a:solidFill>
+                            <a:latin typeface="Cambria Math" panose="02040503050406030204" pitchFamily="18" charset="0"/>
+                          </a:rPr>
+                          <m:t>1460</m:t>
+                        </m:r>
+                      </m:den>
+                    </m:f>
+                    <m:rad>
+                      <m:radPr>
+                        <m:degHide m:val="on"/>
+                        <m:ctrlPr>
+                          <a:rPr lang="en-US" sz="1800" b="0" i="1">
+                            <a:solidFill>
+                              <a:schemeClr val="bg1"/>
+                            </a:solidFill>
+                            <a:latin typeface="Cambria Math" panose="02040503050406030204" pitchFamily="18" charset="0"/>
+                          </a:rPr>
+                        </m:ctrlPr>
+                      </m:radPr>
+                      <m:deg/>
+                      <m:e>
+                        <m:nary>
+                          <m:naryPr>
+                            <m:chr m:val="∑"/>
+                            <m:ctrlPr>
+                              <a:rPr lang="en-US" sz="1800" b="0" i="1">
+                                <a:solidFill>
+                                  <a:schemeClr val="bg1"/>
+                                </a:solidFill>
+                                <a:latin typeface="Cambria Math" panose="02040503050406030204" pitchFamily="18" charset="0"/>
+                              </a:rPr>
+                            </m:ctrlPr>
+                          </m:naryPr>
+                          <m:sub>
+                            <m:r>
+                              <a:rPr lang="en-US" sz="1800" b="0" i="1">
+                                <a:solidFill>
+                                  <a:schemeClr val="bg1"/>
+                                </a:solidFill>
+                                <a:latin typeface="Cambria Math" panose="02040503050406030204" pitchFamily="18" charset="0"/>
+                              </a:rPr>
+                              <m:t>𝑖</m:t>
+                            </m:r>
+                            <m:r>
+                              <a:rPr lang="en-US" sz="1800" b="0" i="1">
+                                <a:solidFill>
+                                  <a:schemeClr val="bg1"/>
+                                </a:solidFill>
+                                <a:latin typeface="Cambria Math" panose="02040503050406030204" pitchFamily="18" charset="0"/>
+                              </a:rPr>
+                              <m:t>=0</m:t>
+                            </m:r>
+                          </m:sub>
+                          <m:sup>
+                            <m:r>
+                              <a:rPr lang="en-US" sz="1800" b="0" i="1">
+                                <a:solidFill>
+                                  <a:schemeClr val="bg1"/>
+                                </a:solidFill>
+                                <a:latin typeface="Cambria Math" panose="02040503050406030204" pitchFamily="18" charset="0"/>
+                              </a:rPr>
+                              <m:t>1459</m:t>
+                            </m:r>
+                          </m:sup>
+                          <m:e>
+                            <m:sSup>
+                              <m:sSupPr>
+                                <m:ctrlPr>
+                                  <a:rPr lang="en-US" sz="1800" b="0" i="1">
+                                    <a:solidFill>
+                                      <a:schemeClr val="bg1"/>
+                                    </a:solidFill>
+                                    <a:latin typeface="Cambria Math" panose="02040503050406030204" pitchFamily="18" charset="0"/>
+                                  </a:rPr>
+                                </m:ctrlPr>
+                              </m:sSupPr>
+                              <m:e>
+                                <m:d>
+                                  <m:dPr>
+                                    <m:ctrlPr>
+                                      <a:rPr lang="en-US" sz="1800" b="0" i="1">
+                                        <a:solidFill>
+                                          <a:schemeClr val="bg1"/>
+                                        </a:solidFill>
+                                        <a:latin typeface="Cambria Math" panose="02040503050406030204" pitchFamily="18" charset="0"/>
+                                      </a:rPr>
+                                    </m:ctrlPr>
+                                  </m:dPr>
+                                  <m:e>
+                                    <m:sSup>
+                                      <m:sSupPr>
+                                        <m:ctrlPr>
+                                          <a:rPr lang="en-US" sz="1800" b="0" i="1">
+                                            <a:solidFill>
+                                              <a:schemeClr val="bg1"/>
+                                            </a:solidFill>
+                                            <a:latin typeface="Cambria Math" panose="02040503050406030204" pitchFamily="18" charset="0"/>
+                                          </a:rPr>
+                                        </m:ctrlPr>
+                                      </m:sSupPr>
+                                      <m:e>
+                                        <m:r>
+                                          <a:rPr lang="en-US" sz="1800" b="0" i="1">
+                                            <a:solidFill>
+                                              <a:schemeClr val="bg1"/>
+                                            </a:solidFill>
+                                            <a:latin typeface="Cambria Math" panose="02040503050406030204" pitchFamily="18" charset="0"/>
+                                          </a:rPr>
+                                          <m:t>𝑦</m:t>
+                                        </m:r>
+                                      </m:e>
+                                      <m:sup>
+                                        <m:r>
+                                          <a:rPr lang="en-US" sz="1800" b="0" i="1">
+                                            <a:solidFill>
+                                              <a:schemeClr val="bg1"/>
+                                            </a:solidFill>
+                                            <a:latin typeface="Cambria Math" panose="02040503050406030204" pitchFamily="18" charset="0"/>
+                                          </a:rPr>
+                                          <m:t>𝑖</m:t>
+                                        </m:r>
+                                      </m:sup>
+                                    </m:sSup>
+                                    <m:r>
+                                      <a:rPr lang="en-US" sz="1800" b="0" i="1">
+                                        <a:solidFill>
+                                          <a:schemeClr val="bg1"/>
+                                        </a:solidFill>
+                                        <a:latin typeface="Cambria Math" panose="02040503050406030204" pitchFamily="18" charset="0"/>
+                                      </a:rPr>
+                                      <m:t>−</m:t>
+                                    </m:r>
+                                    <m:acc>
+                                      <m:accPr>
+                                        <m:chr m:val="̅"/>
+                                        <m:ctrlPr>
+                                          <a:rPr lang="en-US" sz="1800" b="0" i="1">
+                                            <a:solidFill>
+                                              <a:schemeClr val="bg1"/>
+                                            </a:solidFill>
+                                            <a:latin typeface="Cambria Math" panose="02040503050406030204" pitchFamily="18" charset="0"/>
+                                          </a:rPr>
+                                        </m:ctrlPr>
+                                      </m:accPr>
+                                      <m:e>
+                                        <m:r>
+                                          <a:rPr lang="en-US" sz="1800" b="0" i="1">
+                                            <a:solidFill>
+                                              <a:schemeClr val="bg1"/>
+                                            </a:solidFill>
+                                            <a:latin typeface="Cambria Math" panose="02040503050406030204" pitchFamily="18" charset="0"/>
+                                          </a:rPr>
+                                          <m:t>𝑦</m:t>
+                                        </m:r>
+                                      </m:e>
+                                    </m:acc>
+                                  </m:e>
+                                </m:d>
+                              </m:e>
+                              <m:sup>
+                                <m:r>
+                                  <a:rPr lang="en-US" sz="1800" b="0" i="1">
+                                    <a:solidFill>
+                                      <a:schemeClr val="bg1"/>
+                                    </a:solidFill>
+                                    <a:latin typeface="Cambria Math" panose="02040503050406030204" pitchFamily="18" charset="0"/>
+                                  </a:rPr>
+                                  <m:t>2</m:t>
+                                </m:r>
+                              </m:sup>
+                            </m:sSup>
+                          </m:e>
+                        </m:nary>
+                      </m:e>
+                    </m:rad>
                   </m:oMath>
                 </a14:m>
-                <a:endParaRPr lang="en-US" b="0" dirty="0"/>
+                <a:r>
+                  <a:rPr lang="en-US" sz="1800" b="0" dirty="0">
+                    <a:solidFill>
+                      <a:schemeClr val="bg1"/>
+                    </a:solidFill>
+                  </a:rPr>
+                  <a:t> </a:t>
+                </a:r>
+                <a:endParaRPr lang="en-US" sz="2000" b="0" dirty="0">
+                  <a:solidFill>
+                    <a:schemeClr val="bg1"/>
+                  </a:solidFill>
+                </a:endParaRPr>
               </a:p>
             </p:txBody>
           </p:sp>
@@ -5277,10 +6246,14 @@
               </p:nvPr>
             </p:nvSpPr>
             <p:spPr>
+              <a:xfrm>
+                <a:off x="643468" y="2638044"/>
+                <a:ext cx="3363974" cy="3415622"/>
+              </a:xfrm>
               <a:blipFill>
                 <a:blip r:embed="rId2"/>
                 <a:stretch>
-                  <a:fillRect l="-965" t="-14035"/>
+                  <a:fillRect l="-1504" t="-4444"/>
                 </a:stretch>
               </a:blipFill>
             </p:spPr>
@@ -5299,10 +6272,592 @@
           </p:sp>
         </mc:Fallback>
       </mc:AlternateContent>
+      <p:pic>
+        <p:nvPicPr>
+          <p:cNvPr id="4" name="Picture 3" descr="A screenshot of a cell phone&#13;&#10;&#13;&#10;Description automatically generated">
+            <a:extLst>
+              <a:ext uri="{FF2B5EF4-FFF2-40B4-BE49-F238E27FC236}">
+                <a16:creationId xmlns:a16="http://schemas.microsoft.com/office/drawing/2014/main" id="{00187109-0711-1049-8A37-D860A83B3188}"/>
+              </a:ext>
+            </a:extLst>
+          </p:cNvPr>
+          <p:cNvPicPr>
+            <a:picLocks noChangeAspect="1"/>
+          </p:cNvPicPr>
+          <p:nvPr/>
+        </p:nvPicPr>
+        <p:blipFill>
+          <a:blip r:embed="rId3"/>
+          <a:stretch>
+            <a:fillRect/>
+          </a:stretch>
+        </p:blipFill>
+        <p:spPr>
+          <a:xfrm>
+            <a:off x="5297763" y="2668796"/>
+            <a:ext cx="6250769" cy="1359541"/>
+          </a:xfrm>
+          <a:prstGeom prst="rect">
+            <a:avLst/>
+          </a:prstGeom>
+        </p:spPr>
+      </p:pic>
     </p:spTree>
     <p:extLst>
       <p:ext uri="{BB962C8B-B14F-4D97-AF65-F5344CB8AC3E}">
         <p14:creationId xmlns:p14="http://schemas.microsoft.com/office/powerpoint/2010/main" val="1616343408"/>
+      </p:ext>
+    </p:extLst>
+  </p:cSld>
+  <p:clrMapOvr>
+    <a:masterClrMapping/>
+  </p:clrMapOvr>
+</p:sld>
+</file>
+
+<file path=ppt/slides/slide8.xml><?xml version="1.0" encoding="utf-8"?>
+<p:sld xmlns:a="http://schemas.openxmlformats.org/drawingml/2006/main" xmlns:r="http://schemas.openxmlformats.org/officeDocument/2006/relationships" xmlns:p="http://schemas.openxmlformats.org/presentationml/2006/main">
+  <p:cSld>
+    <p:bg>
+      <p:bgPr>
+        <a:solidFill>
+          <a:schemeClr val="bg1"/>
+        </a:solidFill>
+        <a:effectLst/>
+      </p:bgPr>
+    </p:bg>
+    <p:spTree>
+      <p:nvGrpSpPr>
+        <p:cNvPr id="1" name=""/>
+        <p:cNvGrpSpPr/>
+        <p:nvPr/>
+      </p:nvGrpSpPr>
+      <p:grpSpPr>
+        <a:xfrm>
+          <a:off x="0" y="0"/>
+          <a:ext cx="0" cy="0"/>
+          <a:chOff x="0" y="0"/>
+          <a:chExt cx="0" cy="0"/>
+        </a:xfrm>
+      </p:grpSpPr>
+      <p:sp>
+        <p:nvSpPr>
+          <p:cNvPr id="9" name="Rectangle 8">
+            <a:extLst>
+              <a:ext uri="{FF2B5EF4-FFF2-40B4-BE49-F238E27FC236}">
+                <a16:creationId xmlns:a16="http://schemas.microsoft.com/office/drawing/2014/main" id="{867D4867-5BA7-4462-B2F6-A23F4A622AA7}"/>
+              </a:ext>
+              <a:ext uri="{C183D7F6-B498-43B3-948B-1728B52AA6E4}">
+                <adec:decorative xmlns:adec="http://schemas.microsoft.com/office/drawing/2017/decorative" val="1"/>
+              </a:ext>
+            </a:extLst>
+          </p:cNvPr>
+          <p:cNvSpPr>
+            <a:spLocks noGrp="1" noRot="1" noChangeAspect="1" noMove="1" noResize="1" noEditPoints="1" noAdjustHandles="1" noChangeArrowheads="1" noChangeShapeType="1" noTextEdit="1"/>
+          </p:cNvSpPr>
+          <p:nvPr>
+            <p:extLst>
+              <p:ext uri="{386F3935-93C4-4BCD-93E2-E3B085C9AB24}">
+                <p16:designElem xmlns:p16="http://schemas.microsoft.com/office/powerpoint/2015/main" val="1"/>
+              </p:ext>
+            </p:extLst>
+          </p:nvPr>
+        </p:nvSpPr>
+        <p:spPr>
+          <a:xfrm>
+            <a:off x="0" y="0"/>
+            <a:ext cx="4654296" cy="6858000"/>
+          </a:xfrm>
+          <a:prstGeom prst="rect">
+            <a:avLst/>
+          </a:prstGeom>
+          <a:solidFill>
+            <a:schemeClr val="tx1">
+              <a:lumMod val="75000"/>
+              <a:lumOff val="25000"/>
+            </a:schemeClr>
+          </a:solidFill>
+          <a:ln>
+            <a:noFill/>
+          </a:ln>
+        </p:spPr>
+        <p:style>
+          <a:lnRef idx="0">
+            <a:scrgbClr r="0" g="0" b="0"/>
+          </a:lnRef>
+          <a:fillRef idx="0">
+            <a:scrgbClr r="0" g="0" b="0"/>
+          </a:fillRef>
+          <a:effectRef idx="0">
+            <a:scrgbClr r="0" g="0" b="0"/>
+          </a:effectRef>
+          <a:fontRef idx="minor">
+            <a:schemeClr val="lt1"/>
+          </a:fontRef>
+        </p:style>
+        <p:txBody>
+          <a:bodyPr rtlCol="0" anchor="ctr"/>
+          <a:lstStyle/>
+          <a:p>
+            <a:pPr algn="ctr"/>
+            <a:endParaRPr lang="en-US"/>
+          </a:p>
+        </p:txBody>
+      </p:sp>
+      <p:sp>
+        <p:nvSpPr>
+          <p:cNvPr id="2" name="Title 1">
+            <a:extLst>
+              <a:ext uri="{FF2B5EF4-FFF2-40B4-BE49-F238E27FC236}">
+                <a16:creationId xmlns:a16="http://schemas.microsoft.com/office/drawing/2014/main" id="{8C2B53A5-D89F-2747-BAB3-67E177C31A15}"/>
+              </a:ext>
+            </a:extLst>
+          </p:cNvPr>
+          <p:cNvSpPr>
+            <a:spLocks noGrp="1"/>
+          </p:cNvSpPr>
+          <p:nvPr>
+            <p:ph type="title"/>
+          </p:nvPr>
+        </p:nvSpPr>
+        <p:spPr>
+          <a:xfrm>
+            <a:off x="643467" y="643467"/>
+            <a:ext cx="3363974" cy="1597315"/>
+          </a:xfrm>
+          <a:noFill/>
+          <a:ln w="19050">
+            <a:solidFill>
+              <a:schemeClr val="bg1"/>
+            </a:solidFill>
+          </a:ln>
+        </p:spPr>
+        <p:txBody>
+          <a:bodyPr wrap="square">
+            <a:normAutofit/>
+          </a:bodyPr>
+          <a:lstStyle/>
+          <a:p>
+            <a:pPr algn="ctr"/>
+            <a:r>
+              <a:rPr lang="en-US" sz="2800">
+                <a:solidFill>
+                  <a:schemeClr val="bg1"/>
+                </a:solidFill>
+              </a:rPr>
+              <a:t>Data Cleaning</a:t>
+            </a:r>
+          </a:p>
+        </p:txBody>
+      </p:sp>
+      <p:sp>
+        <p:nvSpPr>
+          <p:cNvPr id="3" name="Content Placeholder 2">
+            <a:extLst>
+              <a:ext uri="{FF2B5EF4-FFF2-40B4-BE49-F238E27FC236}">
+                <a16:creationId xmlns:a16="http://schemas.microsoft.com/office/drawing/2014/main" id="{FFC8E849-03D2-5C49-8F1E-CC7EE2DA6B6B}"/>
+              </a:ext>
+            </a:extLst>
+          </p:cNvPr>
+          <p:cNvSpPr>
+            <a:spLocks noGrp="1"/>
+          </p:cNvSpPr>
+          <p:nvPr>
+            <p:ph idx="1"/>
+          </p:nvPr>
+        </p:nvSpPr>
+        <p:spPr>
+          <a:xfrm>
+            <a:off x="643468" y="2638044"/>
+            <a:ext cx="3363974" cy="3415622"/>
+          </a:xfrm>
+        </p:spPr>
+        <p:txBody>
+          <a:bodyPr>
+            <a:normAutofit fontScale="92500"/>
+          </a:bodyPr>
+          <a:lstStyle/>
+          <a:p>
+            <a:r>
+              <a:rPr lang="en-US" sz="2000" dirty="0">
+                <a:solidFill>
+                  <a:schemeClr val="bg1"/>
+                </a:solidFill>
+              </a:rPr>
+              <a:t>With over 80 parameters there is an overabundance of parameters</a:t>
+            </a:r>
+          </a:p>
+          <a:p>
+            <a:pPr lvl="1"/>
+            <a:r>
+              <a:rPr lang="en-US" sz="2000" dirty="0">
+                <a:solidFill>
+                  <a:schemeClr val="bg1"/>
+                </a:solidFill>
+              </a:rPr>
+              <a:t>Because of this we can focus on only the quantitative parameters</a:t>
+            </a:r>
+          </a:p>
+          <a:p>
+            <a:pPr lvl="1"/>
+            <a:r>
+              <a:rPr lang="en-US" sz="2000" dirty="0">
+                <a:solidFill>
+                  <a:schemeClr val="bg1"/>
+                </a:solidFill>
+              </a:rPr>
+              <a:t>We achieve this by only including ‘float64’ and ‘int64’</a:t>
+            </a:r>
+          </a:p>
+          <a:p>
+            <a:r>
+              <a:rPr lang="en-US" sz="2400" dirty="0">
+                <a:solidFill>
+                  <a:schemeClr val="bg1"/>
+                </a:solidFill>
+              </a:rPr>
+              <a:t>Also removed any subjects with </a:t>
+            </a:r>
+            <a:r>
+              <a:rPr lang="en-US" sz="2400" dirty="0" err="1">
+                <a:solidFill>
+                  <a:schemeClr val="bg1"/>
+                </a:solidFill>
+              </a:rPr>
+              <a:t>NaN</a:t>
+            </a:r>
+            <a:r>
+              <a:rPr lang="en-US" sz="2400" dirty="0">
+                <a:solidFill>
+                  <a:schemeClr val="bg1"/>
+                </a:solidFill>
+              </a:rPr>
+              <a:t> values</a:t>
+            </a:r>
+          </a:p>
+        </p:txBody>
+      </p:sp>
+      <p:pic>
+        <p:nvPicPr>
+          <p:cNvPr id="4" name="Picture 3" descr="A screenshot of a cell phone&#13;&#10;&#13;&#10;Description automatically generated">
+            <a:extLst>
+              <a:ext uri="{FF2B5EF4-FFF2-40B4-BE49-F238E27FC236}">
+                <a16:creationId xmlns:a16="http://schemas.microsoft.com/office/drawing/2014/main" id="{2F1B4932-8D50-594E-8473-0567A3E2D66A}"/>
+              </a:ext>
+            </a:extLst>
+          </p:cNvPr>
+          <p:cNvPicPr>
+            <a:picLocks noChangeAspect="1"/>
+          </p:cNvPicPr>
+          <p:nvPr/>
+        </p:nvPicPr>
+        <p:blipFill>
+          <a:blip r:embed="rId2"/>
+          <a:stretch>
+            <a:fillRect/>
+          </a:stretch>
+        </p:blipFill>
+        <p:spPr>
+          <a:xfrm>
+            <a:off x="5297763" y="643467"/>
+            <a:ext cx="6250769" cy="953242"/>
+          </a:xfrm>
+          <a:prstGeom prst="rect">
+            <a:avLst/>
+          </a:prstGeom>
+        </p:spPr>
+      </p:pic>
+      <p:pic>
+        <p:nvPicPr>
+          <p:cNvPr id="5" name="Picture 4">
+            <a:extLst>
+              <a:ext uri="{FF2B5EF4-FFF2-40B4-BE49-F238E27FC236}">
+                <a16:creationId xmlns:a16="http://schemas.microsoft.com/office/drawing/2014/main" id="{92A31224-1CC7-BD48-9514-7A4F3F33E54F}"/>
+              </a:ext>
+            </a:extLst>
+          </p:cNvPr>
+          <p:cNvPicPr>
+            <a:picLocks noChangeAspect="1"/>
+          </p:cNvPicPr>
+          <p:nvPr/>
+        </p:nvPicPr>
+        <p:blipFill>
+          <a:blip r:embed="rId3"/>
+          <a:stretch>
+            <a:fillRect/>
+          </a:stretch>
+        </p:blipFill>
+        <p:spPr>
+          <a:xfrm>
+            <a:off x="5297762" y="1596709"/>
+            <a:ext cx="6250769" cy="3598657"/>
+          </a:xfrm>
+          <a:prstGeom prst="rect">
+            <a:avLst/>
+          </a:prstGeom>
+        </p:spPr>
+      </p:pic>
+      <p:pic>
+        <p:nvPicPr>
+          <p:cNvPr id="6" name="Picture 5">
+            <a:extLst>
+              <a:ext uri="{FF2B5EF4-FFF2-40B4-BE49-F238E27FC236}">
+                <a16:creationId xmlns:a16="http://schemas.microsoft.com/office/drawing/2014/main" id="{9F3525A6-48B1-5A4B-99F1-B570855835C8}"/>
+              </a:ext>
+            </a:extLst>
+          </p:cNvPr>
+          <p:cNvPicPr>
+            <a:picLocks noChangeAspect="1"/>
+          </p:cNvPicPr>
+          <p:nvPr/>
+        </p:nvPicPr>
+        <p:blipFill>
+          <a:blip r:embed="rId4"/>
+          <a:stretch>
+            <a:fillRect/>
+          </a:stretch>
+        </p:blipFill>
+        <p:spPr>
+          <a:xfrm>
+            <a:off x="5297761" y="5195366"/>
+            <a:ext cx="6250770" cy="1080490"/>
+          </a:xfrm>
+          <a:prstGeom prst="rect">
+            <a:avLst/>
+          </a:prstGeom>
+        </p:spPr>
+      </p:pic>
+    </p:spTree>
+    <p:extLst>
+      <p:ext uri="{BB962C8B-B14F-4D97-AF65-F5344CB8AC3E}">
+        <p14:creationId xmlns:p14="http://schemas.microsoft.com/office/powerpoint/2010/main" val="4157470275"/>
+      </p:ext>
+    </p:extLst>
+  </p:cSld>
+  <p:clrMapOvr>
+    <a:masterClrMapping/>
+  </p:clrMapOvr>
+</p:sld>
+</file>
+
+<file path=ppt/slides/slide9.xml><?xml version="1.0" encoding="utf-8"?>
+<p:sld xmlns:a="http://schemas.openxmlformats.org/drawingml/2006/main" xmlns:r="http://schemas.openxmlformats.org/officeDocument/2006/relationships" xmlns:p="http://schemas.openxmlformats.org/presentationml/2006/main">
+  <p:cSld>
+    <p:bg>
+      <p:bgPr>
+        <a:solidFill>
+          <a:schemeClr val="bg1"/>
+        </a:solidFill>
+        <a:effectLst/>
+      </p:bgPr>
+    </p:bg>
+    <p:spTree>
+      <p:nvGrpSpPr>
+        <p:cNvPr id="1" name=""/>
+        <p:cNvGrpSpPr/>
+        <p:nvPr/>
+      </p:nvGrpSpPr>
+      <p:grpSpPr>
+        <a:xfrm>
+          <a:off x="0" y="0"/>
+          <a:ext cx="0" cy="0"/>
+          <a:chOff x="0" y="0"/>
+          <a:chExt cx="0" cy="0"/>
+        </a:xfrm>
+      </p:grpSpPr>
+      <p:sp>
+        <p:nvSpPr>
+          <p:cNvPr id="9" name="Rectangle 8">
+            <a:extLst>
+              <a:ext uri="{FF2B5EF4-FFF2-40B4-BE49-F238E27FC236}">
+                <a16:creationId xmlns:a16="http://schemas.microsoft.com/office/drawing/2014/main" id="{867D4867-5BA7-4462-B2F6-A23F4A622AA7}"/>
+              </a:ext>
+              <a:ext uri="{C183D7F6-B498-43B3-948B-1728B52AA6E4}">
+                <adec:decorative xmlns:adec="http://schemas.microsoft.com/office/drawing/2017/decorative" val="1"/>
+              </a:ext>
+            </a:extLst>
+          </p:cNvPr>
+          <p:cNvSpPr>
+            <a:spLocks noGrp="1" noRot="1" noChangeAspect="1" noMove="1" noResize="1" noEditPoints="1" noAdjustHandles="1" noChangeArrowheads="1" noChangeShapeType="1" noTextEdit="1"/>
+          </p:cNvSpPr>
+          <p:nvPr>
+            <p:extLst>
+              <p:ext uri="{386F3935-93C4-4BCD-93E2-E3B085C9AB24}">
+                <p16:designElem xmlns:p16="http://schemas.microsoft.com/office/powerpoint/2015/main" val="1"/>
+              </p:ext>
+            </p:extLst>
+          </p:nvPr>
+        </p:nvSpPr>
+        <p:spPr>
+          <a:xfrm>
+            <a:off x="0" y="0"/>
+            <a:ext cx="4654296" cy="6858000"/>
+          </a:xfrm>
+          <a:prstGeom prst="rect">
+            <a:avLst/>
+          </a:prstGeom>
+          <a:solidFill>
+            <a:schemeClr val="tx1">
+              <a:lumMod val="75000"/>
+              <a:lumOff val="25000"/>
+            </a:schemeClr>
+          </a:solidFill>
+          <a:ln>
+            <a:noFill/>
+          </a:ln>
+        </p:spPr>
+        <p:style>
+          <a:lnRef idx="0">
+            <a:scrgbClr r="0" g="0" b="0"/>
+          </a:lnRef>
+          <a:fillRef idx="0">
+            <a:scrgbClr r="0" g="0" b="0"/>
+          </a:fillRef>
+          <a:effectRef idx="0">
+            <a:scrgbClr r="0" g="0" b="0"/>
+          </a:effectRef>
+          <a:fontRef idx="minor">
+            <a:schemeClr val="lt1"/>
+          </a:fontRef>
+        </p:style>
+        <p:txBody>
+          <a:bodyPr rtlCol="0" anchor="ctr"/>
+          <a:lstStyle/>
+          <a:p>
+            <a:pPr algn="ctr"/>
+            <a:endParaRPr lang="en-US"/>
+          </a:p>
+        </p:txBody>
+      </p:sp>
+      <p:sp>
+        <p:nvSpPr>
+          <p:cNvPr id="2" name="Title 1">
+            <a:extLst>
+              <a:ext uri="{FF2B5EF4-FFF2-40B4-BE49-F238E27FC236}">
+                <a16:creationId xmlns:a16="http://schemas.microsoft.com/office/drawing/2014/main" id="{62C64F09-EF13-744B-A8F1-8D4A4C7F4EA5}"/>
+              </a:ext>
+            </a:extLst>
+          </p:cNvPr>
+          <p:cNvSpPr>
+            <a:spLocks noGrp="1"/>
+          </p:cNvSpPr>
+          <p:nvPr>
+            <p:ph type="title"/>
+          </p:nvPr>
+        </p:nvSpPr>
+        <p:spPr>
+          <a:xfrm>
+            <a:off x="643467" y="643467"/>
+            <a:ext cx="3363974" cy="1597315"/>
+          </a:xfrm>
+          <a:noFill/>
+          <a:ln w="19050">
+            <a:solidFill>
+              <a:schemeClr val="bg1"/>
+            </a:solidFill>
+          </a:ln>
+        </p:spPr>
+        <p:txBody>
+          <a:bodyPr wrap="square">
+            <a:normAutofit/>
+          </a:bodyPr>
+          <a:lstStyle/>
+          <a:p>
+            <a:pPr algn="ctr"/>
+            <a:r>
+              <a:rPr lang="en-US" sz="2800">
+                <a:solidFill>
+                  <a:schemeClr val="bg1"/>
+                </a:solidFill>
+              </a:rPr>
+              <a:t>Data Exploration</a:t>
+            </a:r>
+          </a:p>
+        </p:txBody>
+      </p:sp>
+      <p:sp>
+        <p:nvSpPr>
+          <p:cNvPr id="3" name="Content Placeholder 2">
+            <a:extLst>
+              <a:ext uri="{FF2B5EF4-FFF2-40B4-BE49-F238E27FC236}">
+                <a16:creationId xmlns:a16="http://schemas.microsoft.com/office/drawing/2014/main" id="{D75DB144-030D-534A-BD9E-C0111FFCCC17}"/>
+              </a:ext>
+            </a:extLst>
+          </p:cNvPr>
+          <p:cNvSpPr>
+            <a:spLocks noGrp="1"/>
+          </p:cNvSpPr>
+          <p:nvPr>
+            <p:ph idx="1"/>
+          </p:nvPr>
+        </p:nvSpPr>
+        <p:spPr>
+          <a:xfrm>
+            <a:off x="643468" y="2638044"/>
+            <a:ext cx="3363974" cy="3415622"/>
+          </a:xfrm>
+        </p:spPr>
+        <p:txBody>
+          <a:bodyPr>
+            <a:normAutofit/>
+          </a:bodyPr>
+          <a:lstStyle/>
+          <a:p>
+            <a:r>
+              <a:rPr lang="en-US" sz="2000">
+                <a:solidFill>
+                  <a:schemeClr val="bg1"/>
+                </a:solidFill>
+              </a:rPr>
+              <a:t>After removals, our reduced model has 35 parameters</a:t>
+            </a:r>
+          </a:p>
+          <a:p>
+            <a:r>
+              <a:rPr lang="en-US" sz="2000">
+                <a:solidFill>
+                  <a:schemeClr val="bg1"/>
+                </a:solidFill>
+              </a:rPr>
+              <a:t>Here are the histograms of each parameter, showing distribution </a:t>
+            </a:r>
+          </a:p>
+        </p:txBody>
+      </p:sp>
+      <p:pic>
+        <p:nvPicPr>
+          <p:cNvPr id="4" name="Picture 3" descr="A close up of a map&#13;&#10;&#13;&#10;Description automatically generated">
+            <a:extLst>
+              <a:ext uri="{FF2B5EF4-FFF2-40B4-BE49-F238E27FC236}">
+                <a16:creationId xmlns:a16="http://schemas.microsoft.com/office/drawing/2014/main" id="{93A6C040-8261-524C-A665-5DC11C2ADE6F}"/>
+              </a:ext>
+            </a:extLst>
+          </p:cNvPr>
+          <p:cNvPicPr>
+            <a:picLocks noChangeAspect="1"/>
+          </p:cNvPicPr>
+          <p:nvPr/>
+        </p:nvPicPr>
+        <p:blipFill>
+          <a:blip r:embed="rId2"/>
+          <a:stretch>
+            <a:fillRect/>
+          </a:stretch>
+        </p:blipFill>
+        <p:spPr>
+          <a:xfrm>
+            <a:off x="5297763" y="1231119"/>
+            <a:ext cx="6250769" cy="4234894"/>
+          </a:xfrm>
+          <a:prstGeom prst="rect">
+            <a:avLst/>
+          </a:prstGeom>
+        </p:spPr>
+      </p:pic>
+    </p:spTree>
+    <p:extLst>
+      <p:ext uri="{BB962C8B-B14F-4D97-AF65-F5344CB8AC3E}">
+        <p14:creationId xmlns:p14="http://schemas.microsoft.com/office/powerpoint/2010/main" val="304572897"/>
       </p:ext>
     </p:extLst>
   </p:cSld>

--- a/Presentation.pptx
+++ b/Presentation.pptx
@@ -5,7 +5,7 @@
     <p:sldMasterId id="2147483648" r:id="rId1"/>
   </p:sldMasterIdLst>
   <p:notesMasterIdLst>
-    <p:notesMasterId r:id="rId12"/>
+    <p:notesMasterId r:id="rId14"/>
   </p:notesMasterIdLst>
   <p:sldIdLst>
     <p:sldId id="256" r:id="rId2"/>
@@ -18,6 +18,8 @@
     <p:sldId id="265" r:id="rId9"/>
     <p:sldId id="266" r:id="rId10"/>
     <p:sldId id="267" r:id="rId11"/>
+    <p:sldId id="268" r:id="rId12"/>
+    <p:sldId id="269" r:id="rId13"/>
   </p:sldIdLst>
   <p:sldSz cx="12192000" cy="6858000"/>
   <p:notesSz cx="6858000" cy="9144000"/>
@@ -4218,15 +4220,15 @@
         </p:nvGrpSpPr>
         <p:grpSpPr>
           <a:xfrm>
-            <a:off x="5724797" y="393503"/>
-            <a:ext cx="5526024" cy="6070993"/>
+            <a:off x="5094481" y="44387"/>
+            <a:ext cx="6561899" cy="6786980"/>
             <a:chOff x="6022508" y="643467"/>
             <a:chExt cx="5526024" cy="6070993"/>
           </a:xfrm>
         </p:grpSpPr>
         <p:pic>
           <p:nvPicPr>
-            <p:cNvPr id="4" name="Picture 3" descr="A screenshot of a cell phone&#13;&#10;&#13;&#10;Description automatically generated">
+            <p:cNvPr id="4" name="Picture 3" descr="A screenshot of a cell phone&#10;&#10;Description automatically generated">
               <a:extLst>
                 <a:ext uri="{FF2B5EF4-FFF2-40B4-BE49-F238E27FC236}">
                   <a16:creationId xmlns:a16="http://schemas.microsoft.com/office/drawing/2014/main" id="{F7B52273-8B1B-8043-8E4A-C1501A722392}"/>
@@ -4298,6 +4300,464 @@
 </p:sld>
 </file>
 
+<file path=ppt/slides/slide11.xml><?xml version="1.0" encoding="utf-8"?>
+<p:sld xmlns:a="http://schemas.openxmlformats.org/drawingml/2006/main" xmlns:r="http://schemas.openxmlformats.org/officeDocument/2006/relationships" xmlns:p="http://schemas.openxmlformats.org/presentationml/2006/main">
+  <p:cSld>
+    <p:bg>
+      <p:bgPr>
+        <a:solidFill>
+          <a:schemeClr val="bg1"/>
+        </a:solidFill>
+        <a:effectLst/>
+      </p:bgPr>
+    </p:bg>
+    <p:spTree>
+      <p:nvGrpSpPr>
+        <p:cNvPr id="1" name=""/>
+        <p:cNvGrpSpPr/>
+        <p:nvPr/>
+      </p:nvGrpSpPr>
+      <p:grpSpPr>
+        <a:xfrm>
+          <a:off x="0" y="0"/>
+          <a:ext cx="0" cy="0"/>
+          <a:chOff x="0" y="0"/>
+          <a:chExt cx="0" cy="0"/>
+        </a:xfrm>
+      </p:grpSpPr>
+      <p:sp>
+        <p:nvSpPr>
+          <p:cNvPr id="9" name="Rectangle 8">
+            <a:extLst>
+              <a:ext uri="{FF2B5EF4-FFF2-40B4-BE49-F238E27FC236}">
+                <a16:creationId xmlns:a16="http://schemas.microsoft.com/office/drawing/2014/main" id="{867D4867-5BA7-4462-B2F6-A23F4A622AA7}"/>
+              </a:ext>
+              <a:ext uri="{C183D7F6-B498-43B3-948B-1728B52AA6E4}">
+                <adec:decorative xmlns:adec="http://schemas.microsoft.com/office/drawing/2017/decorative" val="1"/>
+              </a:ext>
+            </a:extLst>
+          </p:cNvPr>
+          <p:cNvSpPr>
+            <a:spLocks noGrp="1" noRot="1" noChangeAspect="1" noMove="1" noResize="1" noEditPoints="1" noAdjustHandles="1" noChangeArrowheads="1" noChangeShapeType="1" noTextEdit="1"/>
+          </p:cNvSpPr>
+          <p:nvPr>
+            <p:extLst>
+              <p:ext uri="{386F3935-93C4-4BCD-93E2-E3B085C9AB24}">
+                <p16:designElem xmlns:p16="http://schemas.microsoft.com/office/powerpoint/2015/main" val="1"/>
+              </p:ext>
+            </p:extLst>
+          </p:nvPr>
+        </p:nvSpPr>
+        <p:spPr>
+          <a:xfrm>
+            <a:off x="0" y="0"/>
+            <a:ext cx="4654296" cy="6858000"/>
+          </a:xfrm>
+          <a:prstGeom prst="rect">
+            <a:avLst/>
+          </a:prstGeom>
+          <a:solidFill>
+            <a:schemeClr val="tx1">
+              <a:lumMod val="75000"/>
+              <a:lumOff val="25000"/>
+            </a:schemeClr>
+          </a:solidFill>
+          <a:ln>
+            <a:noFill/>
+          </a:ln>
+        </p:spPr>
+        <p:style>
+          <a:lnRef idx="0">
+            <a:scrgbClr r="0" g="0" b="0"/>
+          </a:lnRef>
+          <a:fillRef idx="0">
+            <a:scrgbClr r="0" g="0" b="0"/>
+          </a:fillRef>
+          <a:effectRef idx="0">
+            <a:scrgbClr r="0" g="0" b="0"/>
+          </a:effectRef>
+          <a:fontRef idx="minor">
+            <a:schemeClr val="lt1"/>
+          </a:fontRef>
+        </p:style>
+        <p:txBody>
+          <a:bodyPr rtlCol="0" anchor="ctr"/>
+          <a:lstStyle/>
+          <a:p>
+            <a:pPr algn="ctr"/>
+            <a:endParaRPr lang="en-US"/>
+          </a:p>
+        </p:txBody>
+      </p:sp>
+      <p:sp>
+        <p:nvSpPr>
+          <p:cNvPr id="2" name="Title 1">
+            <a:extLst>
+              <a:ext uri="{FF2B5EF4-FFF2-40B4-BE49-F238E27FC236}">
+                <a16:creationId xmlns:a16="http://schemas.microsoft.com/office/drawing/2014/main" id="{95F1D2D7-6436-7E42-9757-4816DA9E6B92}"/>
+              </a:ext>
+            </a:extLst>
+          </p:cNvPr>
+          <p:cNvSpPr>
+            <a:spLocks noGrp="1"/>
+          </p:cNvSpPr>
+          <p:nvPr>
+            <p:ph type="title"/>
+          </p:nvPr>
+        </p:nvSpPr>
+        <p:spPr>
+          <a:xfrm>
+            <a:off x="643467" y="643467"/>
+            <a:ext cx="3363974" cy="1597315"/>
+          </a:xfrm>
+          <a:noFill/>
+          <a:ln w="19050">
+            <a:solidFill>
+              <a:schemeClr val="bg1"/>
+            </a:solidFill>
+          </a:ln>
+        </p:spPr>
+        <p:txBody>
+          <a:bodyPr wrap="square">
+            <a:normAutofit/>
+          </a:bodyPr>
+          <a:lstStyle/>
+          <a:p>
+            <a:pPr algn="ctr"/>
+            <a:r>
+              <a:rPr lang="en-US" sz="2800">
+                <a:solidFill>
+                  <a:schemeClr val="bg1"/>
+                </a:solidFill>
+              </a:rPr>
+              <a:t>Data Exploration</a:t>
+            </a:r>
+          </a:p>
+        </p:txBody>
+      </p:sp>
+      <p:sp>
+        <p:nvSpPr>
+          <p:cNvPr id="3" name="Content Placeholder 2">
+            <a:extLst>
+              <a:ext uri="{FF2B5EF4-FFF2-40B4-BE49-F238E27FC236}">
+                <a16:creationId xmlns:a16="http://schemas.microsoft.com/office/drawing/2014/main" id="{9102D113-0706-344A-9984-6FD83CABCFD3}"/>
+              </a:ext>
+            </a:extLst>
+          </p:cNvPr>
+          <p:cNvSpPr>
+            <a:spLocks noGrp="1"/>
+          </p:cNvSpPr>
+          <p:nvPr>
+            <p:ph idx="1"/>
+          </p:nvPr>
+        </p:nvSpPr>
+        <p:spPr>
+          <a:xfrm>
+            <a:off x="643468" y="2638044"/>
+            <a:ext cx="3363974" cy="3415622"/>
+          </a:xfrm>
+        </p:spPr>
+        <p:txBody>
+          <a:bodyPr>
+            <a:normAutofit/>
+          </a:bodyPr>
+          <a:lstStyle/>
+          <a:p>
+            <a:r>
+              <a:rPr lang="en-US" sz="2000" dirty="0">
+                <a:solidFill>
+                  <a:schemeClr val="bg1"/>
+                </a:solidFill>
+              </a:rPr>
+              <a:t>Taking a closer look correlation</a:t>
+            </a:r>
+          </a:p>
+          <a:p>
+            <a:r>
+              <a:rPr lang="en-US" sz="2000" dirty="0">
+                <a:solidFill>
+                  <a:schemeClr val="bg1"/>
+                </a:solidFill>
+              </a:rPr>
+              <a:t>A high correlation shows pairs that would cause the model to be over parameterized</a:t>
+            </a:r>
+          </a:p>
+          <a:p>
+            <a:endParaRPr lang="en-US" sz="2000" dirty="0">
+              <a:solidFill>
+                <a:schemeClr val="bg1"/>
+              </a:solidFill>
+            </a:endParaRPr>
+          </a:p>
+        </p:txBody>
+      </p:sp>
+      <p:pic>
+        <p:nvPicPr>
+          <p:cNvPr id="4" name="Picture 3" descr="A screenshot of a cell phone&#13;&#10;&#13;&#10;Description automatically generated">
+            <a:extLst>
+              <a:ext uri="{FF2B5EF4-FFF2-40B4-BE49-F238E27FC236}">
+                <a16:creationId xmlns:a16="http://schemas.microsoft.com/office/drawing/2014/main" id="{68DEB698-8E69-1C45-9ACF-59BAD1812A9C}"/>
+              </a:ext>
+            </a:extLst>
+          </p:cNvPr>
+          <p:cNvPicPr>
+            <a:picLocks noChangeAspect="1"/>
+          </p:cNvPicPr>
+          <p:nvPr/>
+        </p:nvPicPr>
+        <p:blipFill>
+          <a:blip r:embed="rId2"/>
+          <a:stretch>
+            <a:fillRect/>
+          </a:stretch>
+        </p:blipFill>
+        <p:spPr>
+          <a:xfrm>
+            <a:off x="5297763" y="699803"/>
+            <a:ext cx="6250769" cy="5297526"/>
+          </a:xfrm>
+          <a:prstGeom prst="rect">
+            <a:avLst/>
+          </a:prstGeom>
+        </p:spPr>
+      </p:pic>
+    </p:spTree>
+    <p:extLst>
+      <p:ext uri="{BB962C8B-B14F-4D97-AF65-F5344CB8AC3E}">
+        <p14:creationId xmlns:p14="http://schemas.microsoft.com/office/powerpoint/2010/main" val="1204273143"/>
+      </p:ext>
+    </p:extLst>
+  </p:cSld>
+  <p:clrMapOvr>
+    <a:masterClrMapping/>
+  </p:clrMapOvr>
+</p:sld>
+</file>
+
+<file path=ppt/slides/slide12.xml><?xml version="1.0" encoding="utf-8"?>
+<p:sld xmlns:a="http://schemas.openxmlformats.org/drawingml/2006/main" xmlns:r="http://schemas.openxmlformats.org/officeDocument/2006/relationships" xmlns:p="http://schemas.openxmlformats.org/presentationml/2006/main">
+  <p:cSld>
+    <p:bg>
+      <p:bgPr>
+        <a:solidFill>
+          <a:schemeClr val="bg1"/>
+        </a:solidFill>
+        <a:effectLst/>
+      </p:bgPr>
+    </p:bg>
+    <p:spTree>
+      <p:nvGrpSpPr>
+        <p:cNvPr id="1" name=""/>
+        <p:cNvGrpSpPr/>
+        <p:nvPr/>
+      </p:nvGrpSpPr>
+      <p:grpSpPr>
+        <a:xfrm>
+          <a:off x="0" y="0"/>
+          <a:ext cx="0" cy="0"/>
+          <a:chOff x="0" y="0"/>
+          <a:chExt cx="0" cy="0"/>
+        </a:xfrm>
+      </p:grpSpPr>
+      <p:sp>
+        <p:nvSpPr>
+          <p:cNvPr id="9" name="Rectangle 8">
+            <a:extLst>
+              <a:ext uri="{FF2B5EF4-FFF2-40B4-BE49-F238E27FC236}">
+                <a16:creationId xmlns:a16="http://schemas.microsoft.com/office/drawing/2014/main" id="{867D4867-5BA7-4462-B2F6-A23F4A622AA7}"/>
+              </a:ext>
+              <a:ext uri="{C183D7F6-B498-43B3-948B-1728B52AA6E4}">
+                <adec:decorative xmlns:adec="http://schemas.microsoft.com/office/drawing/2017/decorative" val="1"/>
+              </a:ext>
+            </a:extLst>
+          </p:cNvPr>
+          <p:cNvSpPr>
+            <a:spLocks noGrp="1" noRot="1" noChangeAspect="1" noMove="1" noResize="1" noEditPoints="1" noAdjustHandles="1" noChangeArrowheads="1" noChangeShapeType="1" noTextEdit="1"/>
+          </p:cNvSpPr>
+          <p:nvPr>
+            <p:extLst>
+              <p:ext uri="{386F3935-93C4-4BCD-93E2-E3B085C9AB24}">
+                <p16:designElem xmlns:p16="http://schemas.microsoft.com/office/powerpoint/2015/main" val="1"/>
+              </p:ext>
+            </p:extLst>
+          </p:nvPr>
+        </p:nvSpPr>
+        <p:spPr>
+          <a:xfrm>
+            <a:off x="0" y="0"/>
+            <a:ext cx="4654296" cy="6858000"/>
+          </a:xfrm>
+          <a:prstGeom prst="rect">
+            <a:avLst/>
+          </a:prstGeom>
+          <a:solidFill>
+            <a:schemeClr val="tx1">
+              <a:lumMod val="75000"/>
+              <a:lumOff val="25000"/>
+            </a:schemeClr>
+          </a:solidFill>
+          <a:ln>
+            <a:noFill/>
+          </a:ln>
+        </p:spPr>
+        <p:style>
+          <a:lnRef idx="0">
+            <a:scrgbClr r="0" g="0" b="0"/>
+          </a:lnRef>
+          <a:fillRef idx="0">
+            <a:scrgbClr r="0" g="0" b="0"/>
+          </a:fillRef>
+          <a:effectRef idx="0">
+            <a:scrgbClr r="0" g="0" b="0"/>
+          </a:effectRef>
+          <a:fontRef idx="minor">
+            <a:schemeClr val="lt1"/>
+          </a:fontRef>
+        </p:style>
+        <p:txBody>
+          <a:bodyPr rtlCol="0" anchor="ctr"/>
+          <a:lstStyle/>
+          <a:p>
+            <a:pPr algn="ctr"/>
+            <a:endParaRPr lang="en-US"/>
+          </a:p>
+        </p:txBody>
+      </p:sp>
+      <p:sp>
+        <p:nvSpPr>
+          <p:cNvPr id="2" name="Title 1">
+            <a:extLst>
+              <a:ext uri="{FF2B5EF4-FFF2-40B4-BE49-F238E27FC236}">
+                <a16:creationId xmlns:a16="http://schemas.microsoft.com/office/drawing/2014/main" id="{51A8702C-F962-F54F-BFAE-85A8EAB9CDB6}"/>
+              </a:ext>
+            </a:extLst>
+          </p:cNvPr>
+          <p:cNvSpPr>
+            <a:spLocks noGrp="1"/>
+          </p:cNvSpPr>
+          <p:nvPr>
+            <p:ph type="title"/>
+          </p:nvPr>
+        </p:nvSpPr>
+        <p:spPr>
+          <a:xfrm>
+            <a:off x="643467" y="643467"/>
+            <a:ext cx="3363974" cy="1597315"/>
+          </a:xfrm>
+          <a:noFill/>
+          <a:ln w="19050">
+            <a:solidFill>
+              <a:schemeClr val="bg1"/>
+            </a:solidFill>
+          </a:ln>
+        </p:spPr>
+        <p:txBody>
+          <a:bodyPr wrap="square">
+            <a:normAutofit/>
+          </a:bodyPr>
+          <a:lstStyle/>
+          <a:p>
+            <a:pPr algn="ctr"/>
+            <a:r>
+              <a:rPr lang="en-US" sz="2800">
+                <a:solidFill>
+                  <a:schemeClr val="bg1"/>
+                </a:solidFill>
+              </a:rPr>
+              <a:t>Data Exploration</a:t>
+            </a:r>
+          </a:p>
+        </p:txBody>
+      </p:sp>
+      <p:sp>
+        <p:nvSpPr>
+          <p:cNvPr id="3" name="Content Placeholder 2">
+            <a:extLst>
+              <a:ext uri="{FF2B5EF4-FFF2-40B4-BE49-F238E27FC236}">
+                <a16:creationId xmlns:a16="http://schemas.microsoft.com/office/drawing/2014/main" id="{048E1CDE-A706-9E43-9FBB-D20A1FBA5A8C}"/>
+              </a:ext>
+            </a:extLst>
+          </p:cNvPr>
+          <p:cNvSpPr>
+            <a:spLocks noGrp="1"/>
+          </p:cNvSpPr>
+          <p:nvPr>
+            <p:ph idx="1"/>
+          </p:nvPr>
+        </p:nvSpPr>
+        <p:spPr>
+          <a:xfrm>
+            <a:off x="643468" y="2638044"/>
+            <a:ext cx="3363974" cy="3415622"/>
+          </a:xfrm>
+        </p:spPr>
+        <p:txBody>
+          <a:bodyPr>
+            <a:normAutofit/>
+          </a:bodyPr>
+          <a:lstStyle/>
+          <a:p>
+            <a:r>
+              <a:rPr lang="en-US" sz="2000">
+                <a:solidFill>
+                  <a:schemeClr val="bg1"/>
+                </a:solidFill>
+              </a:rPr>
+              <a:t>Taking a few parameters and plotting them with respect to each other and SalePrice</a:t>
+            </a:r>
+          </a:p>
+          <a:p>
+            <a:endParaRPr lang="en-US" sz="2000">
+              <a:solidFill>
+                <a:schemeClr val="bg1"/>
+              </a:solidFill>
+            </a:endParaRPr>
+          </a:p>
+        </p:txBody>
+      </p:sp>
+      <p:pic>
+        <p:nvPicPr>
+          <p:cNvPr id="4" name="Picture 3" descr="A screenshot of a social media post&#13;&#10;&#13;&#10;Description automatically generated">
+            <a:extLst>
+              <a:ext uri="{FF2B5EF4-FFF2-40B4-BE49-F238E27FC236}">
+                <a16:creationId xmlns:a16="http://schemas.microsoft.com/office/drawing/2014/main" id="{92505265-7ED2-394B-B59E-F215FD1B0357}"/>
+              </a:ext>
+            </a:extLst>
+          </p:cNvPr>
+          <p:cNvPicPr>
+            <a:picLocks noChangeAspect="1"/>
+          </p:cNvPicPr>
+          <p:nvPr/>
+        </p:nvPicPr>
+        <p:blipFill>
+          <a:blip r:embed="rId2"/>
+          <a:stretch>
+            <a:fillRect/>
+          </a:stretch>
+        </p:blipFill>
+        <p:spPr>
+          <a:xfrm>
+            <a:off x="5297763" y="1012341"/>
+            <a:ext cx="6250769" cy="4672450"/>
+          </a:xfrm>
+          <a:prstGeom prst="rect">
+            <a:avLst/>
+          </a:prstGeom>
+        </p:spPr>
+      </p:pic>
+    </p:spTree>
+    <p:extLst>
+      <p:ext uri="{BB962C8B-B14F-4D97-AF65-F5344CB8AC3E}">
+        <p14:creationId xmlns:p14="http://schemas.microsoft.com/office/powerpoint/2010/main" val="711892353"/>
+      </p:ext>
+    </p:extLst>
+  </p:cSld>
+  <p:clrMapOvr>
+    <a:masterClrMapping/>
+  </p:clrMapOvr>
+</p:sld>
+</file>
+
 <file path=ppt/slides/slide2.xml><?xml version="1.0" encoding="utf-8"?>
 <p:sld xmlns:a="http://schemas.openxmlformats.org/drawingml/2006/main" xmlns:r="http://schemas.openxmlformats.org/officeDocument/2006/relationships" xmlns:p="http://schemas.openxmlformats.org/presentationml/2006/main">
   <p:cSld>
@@ -4723,7 +5183,7 @@
       </p:sp>
       <p:pic>
         <p:nvPicPr>
-          <p:cNvPr id="4" name="Picture 3" descr="A screenshot of a cell phone&#13;&#10;&#13;&#10;Description automatically generated">
+          <p:cNvPr id="4" name="Picture 3" descr="A screenshot of a cell phone&#10;&#10;Description automatically generated">
             <a:extLst>
               <a:ext uri="{FF2B5EF4-FFF2-40B4-BE49-F238E27FC236}">
                 <a16:creationId xmlns:a16="http://schemas.microsoft.com/office/drawing/2014/main" id="{8D6BBAA4-86DC-2443-9899-078D36B88452}"/>
@@ -4940,7 +5400,7 @@
       </p:sp>
       <p:pic>
         <p:nvPicPr>
-          <p:cNvPr id="4" name="Picture 3" descr="A screenshot of a cell phone&#13;&#10;&#13;&#10;Description automatically generated">
+          <p:cNvPr id="4" name="Picture 3" descr="A screenshot of a cell phone&#10;&#10;Description automatically generated">
             <a:extLst>
               <a:ext uri="{FF2B5EF4-FFF2-40B4-BE49-F238E27FC236}">
                 <a16:creationId xmlns:a16="http://schemas.microsoft.com/office/drawing/2014/main" id="{27C6E12F-B454-A145-B426-D61D5A9179C6}"/>
@@ -5205,66 +5665,87 @@
           </a:p>
         </p:txBody>
       </p:sp>
-      <p:pic>
-        <p:nvPicPr>
-          <p:cNvPr id="7" name="Picture 6" descr="A screenshot of a cell phone&#13;&#10;&#13;&#10;Description automatically generated">
-            <a:extLst>
-              <a:ext uri="{FF2B5EF4-FFF2-40B4-BE49-F238E27FC236}">
-                <a16:creationId xmlns:a16="http://schemas.microsoft.com/office/drawing/2014/main" id="{7FC17123-776E-5545-8B2A-B9F9EA78F187}"/>
-              </a:ext>
-            </a:extLst>
-          </p:cNvPr>
-          <p:cNvPicPr>
-            <a:picLocks noChangeAspect="1"/>
-          </p:cNvPicPr>
+      <p:grpSp>
+        <p:nvGrpSpPr>
+          <p:cNvPr id="4" name="Group 3">
+            <a:extLst>
+              <a:ext uri="{FF2B5EF4-FFF2-40B4-BE49-F238E27FC236}">
+                <a16:creationId xmlns:a16="http://schemas.microsoft.com/office/drawing/2014/main" id="{AB52988F-836B-0143-A60A-EBC310B90F7B}"/>
+              </a:ext>
+            </a:extLst>
+          </p:cNvPr>
+          <p:cNvGrpSpPr/>
           <p:nvPr/>
-        </p:nvPicPr>
-        <p:blipFill>
-          <a:blip r:embed="rId2"/>
-          <a:stretch>
-            <a:fillRect/>
-          </a:stretch>
-        </p:blipFill>
-        <p:spPr>
+        </p:nvGrpSpPr>
+        <p:grpSpPr>
           <a:xfrm>
             <a:off x="6313763" y="706099"/>
-            <a:ext cx="4204884" cy="2522929"/>
+            <a:ext cx="4204884" cy="4756583"/>
+            <a:chOff x="6313763" y="706099"/>
+            <a:chExt cx="4204884" cy="4756583"/>
           </a:xfrm>
-          <a:prstGeom prst="rect">
-            <a:avLst/>
-          </a:prstGeom>
-        </p:spPr>
-      </p:pic>
-      <p:pic>
-        <p:nvPicPr>
-          <p:cNvPr id="8" name="Picture 7">
-            <a:extLst>
-              <a:ext uri="{FF2B5EF4-FFF2-40B4-BE49-F238E27FC236}">
-                <a16:creationId xmlns:a16="http://schemas.microsoft.com/office/drawing/2014/main" id="{2763B247-DADF-5C43-B94A-4C7889416CEE}"/>
-              </a:ext>
-            </a:extLst>
-          </p:cNvPr>
-          <p:cNvPicPr>
-            <a:picLocks noChangeAspect="1"/>
-          </p:cNvPicPr>
-          <p:nvPr/>
-        </p:nvPicPr>
-        <p:blipFill>
-          <a:blip r:embed="rId3"/>
-          <a:stretch>
-            <a:fillRect/>
-          </a:stretch>
-        </p:blipFill>
-        <p:spPr>
-          <a:xfrm>
-            <a:off x="6313763" y="3229028"/>
-            <a:ext cx="4204884" cy="2233654"/>
-          </a:xfrm>
-          <a:prstGeom prst="rect">
-            <a:avLst/>
-          </a:prstGeom>
-        </p:spPr>
-      </p:pic>
+        </p:grpSpPr>
+        <p:pic>
+          <p:nvPicPr>
+            <p:cNvPr id="7" name="Picture 6" descr="A screenshot of a cell phone&#10;&#10;Description automatically generated">
+              <a:extLst>
+                <a:ext uri="{FF2B5EF4-FFF2-40B4-BE49-F238E27FC236}">
+                  <a16:creationId xmlns:a16="http://schemas.microsoft.com/office/drawing/2014/main" id="{7FC17123-776E-5545-8B2A-B9F9EA78F187}"/>
+                </a:ext>
+              </a:extLst>
+            </p:cNvPr>
+            <p:cNvPicPr>
+              <a:picLocks noChangeAspect="1"/>
+            </p:cNvPicPr>
+            <p:nvPr/>
+          </p:nvPicPr>
+          <p:blipFill>
+            <a:blip r:embed="rId2"/>
+            <a:stretch>
+              <a:fillRect/>
+            </a:stretch>
+          </p:blipFill>
+          <p:spPr>
+            <a:xfrm>
+              <a:off x="6313763" y="706099"/>
+              <a:ext cx="4204884" cy="2522929"/>
+            </a:xfrm>
+            <a:prstGeom prst="rect">
+              <a:avLst/>
+            </a:prstGeom>
+          </p:spPr>
+        </p:pic>
+        <p:pic>
+          <p:nvPicPr>
+            <p:cNvPr id="8" name="Picture 7">
+              <a:extLst>
+                <a:ext uri="{FF2B5EF4-FFF2-40B4-BE49-F238E27FC236}">
+                  <a16:creationId xmlns:a16="http://schemas.microsoft.com/office/drawing/2014/main" id="{2763B247-DADF-5C43-B94A-4C7889416CEE}"/>
+                </a:ext>
+              </a:extLst>
+            </p:cNvPr>
+            <p:cNvPicPr>
+              <a:picLocks noChangeAspect="1"/>
+            </p:cNvPicPr>
+            <p:nvPr/>
+          </p:nvPicPr>
+          <p:blipFill>
+            <a:blip r:embed="rId3"/>
+            <a:stretch>
+              <a:fillRect/>
+            </a:stretch>
+          </p:blipFill>
+          <p:spPr>
+            <a:xfrm>
+              <a:off x="6313763" y="3229028"/>
+              <a:ext cx="4204884" cy="2233654"/>
+            </a:xfrm>
+            <a:prstGeom prst="rect">
+              <a:avLst/>
+            </a:prstGeom>
+          </p:spPr>
+        </p:pic>
+      </p:grpSp>
     </p:spTree>
     <p:extLst>
       <p:ext uri="{BB962C8B-B14F-4D97-AF65-F5344CB8AC3E}">
@@ -5452,66 +5933,87 @@
           </a:p>
         </p:txBody>
       </p:sp>
-      <p:pic>
-        <p:nvPicPr>
-          <p:cNvPr id="4" name="Picture 3" descr="A screenshot of a social media post&#10;&#10;Description automatically generated">
-            <a:extLst>
-              <a:ext uri="{FF2B5EF4-FFF2-40B4-BE49-F238E27FC236}">
-                <a16:creationId xmlns:a16="http://schemas.microsoft.com/office/drawing/2014/main" id="{87D170AB-5B53-7849-A364-CBF0A427ABCA}"/>
-              </a:ext>
-            </a:extLst>
-          </p:cNvPr>
-          <p:cNvPicPr>
-            <a:picLocks noChangeAspect="1"/>
-          </p:cNvPicPr>
+      <p:grpSp>
+        <p:nvGrpSpPr>
+          <p:cNvPr id="6" name="Group 5">
+            <a:extLst>
+              <a:ext uri="{FF2B5EF4-FFF2-40B4-BE49-F238E27FC236}">
+                <a16:creationId xmlns:a16="http://schemas.microsoft.com/office/drawing/2014/main" id="{B2993A6E-5826-4549-A53F-C48792008D87}"/>
+              </a:ext>
+            </a:extLst>
+          </p:cNvPr>
+          <p:cNvGrpSpPr/>
           <p:nvPr/>
-        </p:nvPicPr>
-        <p:blipFill>
-          <a:blip r:embed="rId2"/>
-          <a:stretch>
-            <a:fillRect/>
-          </a:stretch>
-        </p:blipFill>
-        <p:spPr>
+        </p:nvGrpSpPr>
+        <p:grpSpPr>
           <a:xfrm>
             <a:off x="6096000" y="506432"/>
-            <a:ext cx="4890778" cy="3068963"/>
+            <a:ext cx="4890778" cy="5845136"/>
+            <a:chOff x="6096000" y="506432"/>
+            <a:chExt cx="4890778" cy="5845136"/>
           </a:xfrm>
-          <a:prstGeom prst="rect">
-            <a:avLst/>
-          </a:prstGeom>
-        </p:spPr>
-      </p:pic>
-      <p:pic>
-        <p:nvPicPr>
-          <p:cNvPr id="5" name="Picture 4">
-            <a:extLst>
-              <a:ext uri="{FF2B5EF4-FFF2-40B4-BE49-F238E27FC236}">
-                <a16:creationId xmlns:a16="http://schemas.microsoft.com/office/drawing/2014/main" id="{1CD69C9F-D650-6141-8F56-93502DA379C6}"/>
-              </a:ext>
-            </a:extLst>
-          </p:cNvPr>
-          <p:cNvPicPr>
-            <a:picLocks noChangeAspect="1"/>
-          </p:cNvPicPr>
-          <p:nvPr/>
-        </p:nvPicPr>
-        <p:blipFill>
-          <a:blip r:embed="rId3"/>
-          <a:stretch>
-            <a:fillRect/>
-          </a:stretch>
-        </p:blipFill>
-        <p:spPr>
-          <a:xfrm>
-            <a:off x="6096000" y="3459022"/>
-            <a:ext cx="4890778" cy="2892546"/>
-          </a:xfrm>
-          <a:prstGeom prst="rect">
-            <a:avLst/>
-          </a:prstGeom>
-        </p:spPr>
-      </p:pic>
+        </p:grpSpPr>
+        <p:pic>
+          <p:nvPicPr>
+            <p:cNvPr id="4" name="Picture 3" descr="A screenshot of a social media post&#10;&#10;Description automatically generated">
+              <a:extLst>
+                <a:ext uri="{FF2B5EF4-FFF2-40B4-BE49-F238E27FC236}">
+                  <a16:creationId xmlns:a16="http://schemas.microsoft.com/office/drawing/2014/main" id="{87D170AB-5B53-7849-A364-CBF0A427ABCA}"/>
+                </a:ext>
+              </a:extLst>
+            </p:cNvPr>
+            <p:cNvPicPr>
+              <a:picLocks noChangeAspect="1"/>
+            </p:cNvPicPr>
+            <p:nvPr/>
+          </p:nvPicPr>
+          <p:blipFill>
+            <a:blip r:embed="rId2"/>
+            <a:stretch>
+              <a:fillRect/>
+            </a:stretch>
+          </p:blipFill>
+          <p:spPr>
+            <a:xfrm>
+              <a:off x="6096000" y="506432"/>
+              <a:ext cx="4890778" cy="3068963"/>
+            </a:xfrm>
+            <a:prstGeom prst="rect">
+              <a:avLst/>
+            </a:prstGeom>
+          </p:spPr>
+        </p:pic>
+        <p:pic>
+          <p:nvPicPr>
+            <p:cNvPr id="5" name="Picture 4">
+              <a:extLst>
+                <a:ext uri="{FF2B5EF4-FFF2-40B4-BE49-F238E27FC236}">
+                  <a16:creationId xmlns:a16="http://schemas.microsoft.com/office/drawing/2014/main" id="{1CD69C9F-D650-6141-8F56-93502DA379C6}"/>
+                </a:ext>
+              </a:extLst>
+            </p:cNvPr>
+            <p:cNvPicPr>
+              <a:picLocks noChangeAspect="1"/>
+            </p:cNvPicPr>
+            <p:nvPr/>
+          </p:nvPicPr>
+          <p:blipFill>
+            <a:blip r:embed="rId3"/>
+            <a:stretch>
+              <a:fillRect/>
+            </a:stretch>
+          </p:blipFill>
+          <p:spPr>
+            <a:xfrm>
+              <a:off x="6096000" y="3459022"/>
+              <a:ext cx="4890778" cy="2892546"/>
+            </a:xfrm>
+            <a:prstGeom prst="rect">
+              <a:avLst/>
+            </a:prstGeom>
+          </p:spPr>
+        </p:pic>
+      </p:grpSp>
     </p:spTree>
     <p:extLst>
       <p:ext uri="{BB962C8B-B14F-4D97-AF65-F5344CB8AC3E}">
@@ -5660,8 +6162,8 @@
           </a:p>
         </p:txBody>
       </p:sp>
-      <mc:AlternateContent xmlns:mc="http://schemas.openxmlformats.org/markup-compatibility/2006">
-        <mc:Choice xmlns:a14="http://schemas.microsoft.com/office/drawing/2010/main" Requires="a14">
+      <mc:AlternateContent xmlns:mc="http://schemas.openxmlformats.org/markup-compatibility/2006" xmlns:a14="http://schemas.microsoft.com/office/drawing/2010/main">
+        <mc:Choice Requires="a14">
           <p:sp>
             <p:nvSpPr>
               <p:cNvPr id="3" name="Content Placeholder 2">
@@ -6228,7 +6730,7 @@
             </p:txBody>
           </p:sp>
         </mc:Choice>
-        <mc:Fallback>
+        <mc:Fallback xmlns="">
           <p:sp>
             <p:nvSpPr>
               <p:cNvPr id="3" name="Content Placeholder 2">
@@ -6274,7 +6776,7 @@
       </mc:AlternateContent>
       <p:pic>
         <p:nvPicPr>
-          <p:cNvPr id="4" name="Picture 3" descr="A screenshot of a cell phone&#13;&#10;&#13;&#10;Description automatically generated">
+          <p:cNvPr id="4" name="Picture 3" descr="A screenshot of a cell phone&#10;&#10;Description automatically generated">
             <a:extLst>
               <a:ext uri="{FF2B5EF4-FFF2-40B4-BE49-F238E27FC236}">
                 <a16:creationId xmlns:a16="http://schemas.microsoft.com/office/drawing/2014/main" id="{00187109-0711-1049-8A37-D860A83B3188}"/>
@@ -6539,7 +7041,7 @@
       </p:sp>
       <p:pic>
         <p:nvPicPr>
-          <p:cNvPr id="4" name="Picture 3" descr="A screenshot of a cell phone&#13;&#10;&#13;&#10;Description automatically generated">
+          <p:cNvPr id="4" name="Picture 3" descr="A screenshot of a cell phone&#10;&#10;Description automatically generated">
             <a:extLst>
               <a:ext uri="{FF2B5EF4-FFF2-40B4-BE49-F238E27FC236}">
                 <a16:creationId xmlns:a16="http://schemas.microsoft.com/office/drawing/2014/main" id="{2F1B4932-8D50-594E-8473-0567A3E2D66A}"/>
@@ -6826,7 +7328,7 @@
       </p:sp>
       <p:pic>
         <p:nvPicPr>
-          <p:cNvPr id="4" name="Picture 3" descr="A close up of a map&#13;&#10;&#13;&#10;Description automatically generated">
+          <p:cNvPr id="4" name="Picture 3" descr="A close up of a map&#10;&#10;Description automatically generated">
             <a:extLst>
               <a:ext uri="{FF2B5EF4-FFF2-40B4-BE49-F238E27FC236}">
                 <a16:creationId xmlns:a16="http://schemas.microsoft.com/office/drawing/2014/main" id="{93A6C040-8261-524C-A665-5DC11C2ADE6F}"/>
@@ -6846,8 +7348,8 @@
         </p:blipFill>
         <p:spPr>
           <a:xfrm>
-            <a:off x="5297763" y="1231119"/>
-            <a:ext cx="6250769" cy="4234894"/>
+            <a:off x="4729592" y="772357"/>
+            <a:ext cx="7548190" cy="5113896"/>
           </a:xfrm>
           <a:prstGeom prst="rect">
             <a:avLst/>

--- a/Presentation.pptx
+++ b/Presentation.pptx
@@ -5,7 +5,7 @@
     <p:sldMasterId id="2147483648" r:id="rId1"/>
   </p:sldMasterIdLst>
   <p:notesMasterIdLst>
-    <p:notesMasterId r:id="rId14"/>
+    <p:notesMasterId r:id="rId15"/>
   </p:notesMasterIdLst>
   <p:sldIdLst>
     <p:sldId id="256" r:id="rId2"/>
@@ -20,6 +20,7 @@
     <p:sldId id="267" r:id="rId11"/>
     <p:sldId id="268" r:id="rId12"/>
     <p:sldId id="269" r:id="rId13"/>
+    <p:sldId id="270" r:id="rId14"/>
   </p:sldIdLst>
   <p:sldSz cx="12192000" cy="6858000"/>
   <p:notesSz cx="6858000" cy="9144000"/>
@@ -208,7 +209,7 @@
           <a:p>
             <a:fld id="{FC0604F2-8EB7-F146-999F-2FE2A1B67336}" type="datetimeFigureOut">
               <a:rPr lang="en-US" smtClean="0"/>
-              <a:t>12/12/18</a:t>
+              <a:t>12/13/18</a:t>
             </a:fld>
             <a:endParaRPr lang="en-US"/>
           </a:p>
@@ -874,7 +875,7 @@
           <a:p>
             <a:fld id="{81112ABD-EEFC-B048-B289-94406E60398D}" type="datetimeFigureOut">
               <a:rPr lang="en-US" smtClean="0"/>
-              <a:t>12/12/18</a:t>
+              <a:t>12/13/18</a:t>
             </a:fld>
             <a:endParaRPr lang="en-US"/>
           </a:p>
@@ -1072,7 +1073,7 @@
           <a:p>
             <a:fld id="{81112ABD-EEFC-B048-B289-94406E60398D}" type="datetimeFigureOut">
               <a:rPr lang="en-US" smtClean="0"/>
-              <a:t>12/12/18</a:t>
+              <a:t>12/13/18</a:t>
             </a:fld>
             <a:endParaRPr lang="en-US"/>
           </a:p>
@@ -1280,7 +1281,7 @@
           <a:p>
             <a:fld id="{81112ABD-EEFC-B048-B289-94406E60398D}" type="datetimeFigureOut">
               <a:rPr lang="en-US" smtClean="0"/>
-              <a:t>12/12/18</a:t>
+              <a:t>12/13/18</a:t>
             </a:fld>
             <a:endParaRPr lang="en-US"/>
           </a:p>
@@ -1478,7 +1479,7 @@
           <a:p>
             <a:fld id="{81112ABD-EEFC-B048-B289-94406E60398D}" type="datetimeFigureOut">
               <a:rPr lang="en-US" smtClean="0"/>
-              <a:t>12/12/18</a:t>
+              <a:t>12/13/18</a:t>
             </a:fld>
             <a:endParaRPr lang="en-US"/>
           </a:p>
@@ -1753,7 +1754,7 @@
           <a:p>
             <a:fld id="{81112ABD-EEFC-B048-B289-94406E60398D}" type="datetimeFigureOut">
               <a:rPr lang="en-US" smtClean="0"/>
-              <a:t>12/12/18</a:t>
+              <a:t>12/13/18</a:t>
             </a:fld>
             <a:endParaRPr lang="en-US"/>
           </a:p>
@@ -2018,7 +2019,7 @@
           <a:p>
             <a:fld id="{81112ABD-EEFC-B048-B289-94406E60398D}" type="datetimeFigureOut">
               <a:rPr lang="en-US" smtClean="0"/>
-              <a:t>12/12/18</a:t>
+              <a:t>12/13/18</a:t>
             </a:fld>
             <a:endParaRPr lang="en-US"/>
           </a:p>
@@ -2430,7 +2431,7 @@
           <a:p>
             <a:fld id="{81112ABD-EEFC-B048-B289-94406E60398D}" type="datetimeFigureOut">
               <a:rPr lang="en-US" smtClean="0"/>
-              <a:t>12/12/18</a:t>
+              <a:t>12/13/18</a:t>
             </a:fld>
             <a:endParaRPr lang="en-US"/>
           </a:p>
@@ -2571,7 +2572,7 @@
           <a:p>
             <a:fld id="{81112ABD-EEFC-B048-B289-94406E60398D}" type="datetimeFigureOut">
               <a:rPr lang="en-US" smtClean="0"/>
-              <a:t>12/12/18</a:t>
+              <a:t>12/13/18</a:t>
             </a:fld>
             <a:endParaRPr lang="en-US"/>
           </a:p>
@@ -2684,7 +2685,7 @@
           <a:p>
             <a:fld id="{81112ABD-EEFC-B048-B289-94406E60398D}" type="datetimeFigureOut">
               <a:rPr lang="en-US" smtClean="0"/>
-              <a:t>12/12/18</a:t>
+              <a:t>12/13/18</a:t>
             </a:fld>
             <a:endParaRPr lang="en-US"/>
           </a:p>
@@ -2995,7 +2996,7 @@
           <a:p>
             <a:fld id="{81112ABD-EEFC-B048-B289-94406E60398D}" type="datetimeFigureOut">
               <a:rPr lang="en-US" smtClean="0"/>
-              <a:t>12/12/18</a:t>
+              <a:t>12/13/18</a:t>
             </a:fld>
             <a:endParaRPr lang="en-US"/>
           </a:p>
@@ -3283,7 +3284,7 @@
           <a:p>
             <a:fld id="{81112ABD-EEFC-B048-B289-94406E60398D}" type="datetimeFigureOut">
               <a:rPr lang="en-US" smtClean="0"/>
-              <a:t>12/12/18</a:t>
+              <a:t>12/13/18</a:t>
             </a:fld>
             <a:endParaRPr lang="en-US"/>
           </a:p>
@@ -3527,7 +3528,7 @@
           <a:p>
             <a:fld id="{81112ABD-EEFC-B048-B289-94406E60398D}" type="datetimeFigureOut">
               <a:rPr lang="en-US" smtClean="0"/>
-              <a:t>12/12/18</a:t>
+              <a:t>12/13/18</a:t>
             </a:fld>
             <a:endParaRPr lang="en-US"/>
           </a:p>
@@ -4749,6 +4750,299 @@
     <p:extLst>
       <p:ext uri="{BB962C8B-B14F-4D97-AF65-F5344CB8AC3E}">
         <p14:creationId xmlns:p14="http://schemas.microsoft.com/office/powerpoint/2010/main" val="711892353"/>
+      </p:ext>
+    </p:extLst>
+  </p:cSld>
+  <p:clrMapOvr>
+    <a:masterClrMapping/>
+  </p:clrMapOvr>
+</p:sld>
+</file>
+
+<file path=ppt/slides/slide13.xml><?xml version="1.0" encoding="utf-8"?>
+<p:sld xmlns:a="http://schemas.openxmlformats.org/drawingml/2006/main" xmlns:r="http://schemas.openxmlformats.org/officeDocument/2006/relationships" xmlns:p="http://schemas.openxmlformats.org/presentationml/2006/main">
+  <p:cSld>
+    <p:bg>
+      <p:bgPr>
+        <a:solidFill>
+          <a:schemeClr val="bg1"/>
+        </a:solidFill>
+        <a:effectLst/>
+      </p:bgPr>
+    </p:bg>
+    <p:spTree>
+      <p:nvGrpSpPr>
+        <p:cNvPr id="1" name=""/>
+        <p:cNvGrpSpPr/>
+        <p:nvPr/>
+      </p:nvGrpSpPr>
+      <p:grpSpPr>
+        <a:xfrm>
+          <a:off x="0" y="0"/>
+          <a:ext cx="0" cy="0"/>
+          <a:chOff x="0" y="0"/>
+          <a:chExt cx="0" cy="0"/>
+        </a:xfrm>
+      </p:grpSpPr>
+      <p:sp>
+        <p:nvSpPr>
+          <p:cNvPr id="9" name="Rectangle 8">
+            <a:extLst>
+              <a:ext uri="{FF2B5EF4-FFF2-40B4-BE49-F238E27FC236}">
+                <a16:creationId xmlns:a16="http://schemas.microsoft.com/office/drawing/2014/main" id="{867D4867-5BA7-4462-B2F6-A23F4A622AA7}"/>
+              </a:ext>
+              <a:ext uri="{C183D7F6-B498-43B3-948B-1728B52AA6E4}">
+                <adec:decorative xmlns:adec="http://schemas.microsoft.com/office/drawing/2017/decorative" val="1"/>
+              </a:ext>
+            </a:extLst>
+          </p:cNvPr>
+          <p:cNvSpPr>
+            <a:spLocks noGrp="1" noRot="1" noChangeAspect="1" noMove="1" noResize="1" noEditPoints="1" noAdjustHandles="1" noChangeArrowheads="1" noChangeShapeType="1" noTextEdit="1"/>
+          </p:cNvSpPr>
+          <p:nvPr>
+            <p:extLst>
+              <p:ext uri="{386F3935-93C4-4BCD-93E2-E3B085C9AB24}">
+                <p16:designElem xmlns:p16="http://schemas.microsoft.com/office/powerpoint/2015/main" val="1"/>
+              </p:ext>
+            </p:extLst>
+          </p:nvPr>
+        </p:nvSpPr>
+        <p:spPr>
+          <a:xfrm>
+            <a:off x="0" y="0"/>
+            <a:ext cx="4654296" cy="6858000"/>
+          </a:xfrm>
+          <a:prstGeom prst="rect">
+            <a:avLst/>
+          </a:prstGeom>
+          <a:solidFill>
+            <a:schemeClr val="tx1">
+              <a:lumMod val="75000"/>
+              <a:lumOff val="25000"/>
+            </a:schemeClr>
+          </a:solidFill>
+          <a:ln>
+            <a:noFill/>
+          </a:ln>
+        </p:spPr>
+        <p:style>
+          <a:lnRef idx="0">
+            <a:scrgbClr r="0" g="0" b="0"/>
+          </a:lnRef>
+          <a:fillRef idx="0">
+            <a:scrgbClr r="0" g="0" b="0"/>
+          </a:fillRef>
+          <a:effectRef idx="0">
+            <a:scrgbClr r="0" g="0" b="0"/>
+          </a:effectRef>
+          <a:fontRef idx="minor">
+            <a:schemeClr val="lt1"/>
+          </a:fontRef>
+        </p:style>
+        <p:txBody>
+          <a:bodyPr rtlCol="0" anchor="ctr"/>
+          <a:lstStyle/>
+          <a:p>
+            <a:pPr algn="ctr"/>
+            <a:endParaRPr lang="en-US"/>
+          </a:p>
+        </p:txBody>
+      </p:sp>
+      <p:sp>
+        <p:nvSpPr>
+          <p:cNvPr id="2" name="Title 1">
+            <a:extLst>
+              <a:ext uri="{FF2B5EF4-FFF2-40B4-BE49-F238E27FC236}">
+                <a16:creationId xmlns:a16="http://schemas.microsoft.com/office/drawing/2014/main" id="{10CC05ED-816C-5249-8C9D-E547AA5FCFF3}"/>
+              </a:ext>
+            </a:extLst>
+          </p:cNvPr>
+          <p:cNvSpPr>
+            <a:spLocks noGrp="1"/>
+          </p:cNvSpPr>
+          <p:nvPr>
+            <p:ph type="title"/>
+          </p:nvPr>
+        </p:nvSpPr>
+        <p:spPr>
+          <a:xfrm>
+            <a:off x="643467" y="643467"/>
+            <a:ext cx="3363974" cy="1597315"/>
+          </a:xfrm>
+          <a:noFill/>
+          <a:ln w="19050">
+            <a:solidFill>
+              <a:schemeClr val="bg1"/>
+            </a:solidFill>
+          </a:ln>
+        </p:spPr>
+        <p:txBody>
+          <a:bodyPr wrap="square">
+            <a:normAutofit/>
+          </a:bodyPr>
+          <a:lstStyle/>
+          <a:p>
+            <a:pPr algn="ctr"/>
+            <a:r>
+              <a:rPr lang="en-US" sz="2800">
+                <a:solidFill>
+                  <a:schemeClr val="bg1"/>
+                </a:solidFill>
+              </a:rPr>
+              <a:t>First Shot at Regression</a:t>
+            </a:r>
+          </a:p>
+        </p:txBody>
+      </p:sp>
+      <p:sp>
+        <p:nvSpPr>
+          <p:cNvPr id="3" name="Content Placeholder 2">
+            <a:extLst>
+              <a:ext uri="{FF2B5EF4-FFF2-40B4-BE49-F238E27FC236}">
+                <a16:creationId xmlns:a16="http://schemas.microsoft.com/office/drawing/2014/main" id="{B2C1FDFE-FE89-4442-A737-2C2977C4AA2D}"/>
+              </a:ext>
+            </a:extLst>
+          </p:cNvPr>
+          <p:cNvSpPr>
+            <a:spLocks noGrp="1"/>
+          </p:cNvSpPr>
+          <p:nvPr>
+            <p:ph idx="1"/>
+          </p:nvPr>
+        </p:nvSpPr>
+        <p:spPr>
+          <a:xfrm>
+            <a:off x="643468" y="2638044"/>
+            <a:ext cx="3363974" cy="3415622"/>
+          </a:xfrm>
+        </p:spPr>
+        <p:txBody>
+          <a:bodyPr>
+            <a:normAutofit/>
+          </a:bodyPr>
+          <a:lstStyle/>
+          <a:p>
+            <a:r>
+              <a:rPr lang="en-US" sz="2000" dirty="0">
+                <a:solidFill>
+                  <a:schemeClr val="bg1"/>
+                </a:solidFill>
+              </a:rPr>
+              <a:t>Now that we’ve analyzed our data and removed parameters that don’t help us, we put together our first regression</a:t>
+            </a:r>
+          </a:p>
+          <a:p>
+            <a:r>
+              <a:rPr lang="en-US" sz="2000" dirty="0">
+                <a:solidFill>
+                  <a:schemeClr val="bg1"/>
+                </a:solidFill>
+              </a:rPr>
+              <a:t>This model reduces our Root </a:t>
+            </a:r>
+            <a:r>
+              <a:rPr lang="en-US" sz="2000">
+                <a:solidFill>
+                  <a:schemeClr val="bg1"/>
+                </a:solidFill>
+              </a:rPr>
+              <a:t>Mean Square Error to $54,293,117.86</a:t>
+            </a:r>
+          </a:p>
+          <a:p>
+            <a:endParaRPr lang="en-US" sz="2000">
+              <a:solidFill>
+                <a:schemeClr val="bg1"/>
+              </a:solidFill>
+            </a:endParaRPr>
+          </a:p>
+        </p:txBody>
+      </p:sp>
+      <p:grpSp>
+        <p:nvGrpSpPr>
+          <p:cNvPr id="6" name="Group 5">
+            <a:extLst>
+              <a:ext uri="{FF2B5EF4-FFF2-40B4-BE49-F238E27FC236}">
+                <a16:creationId xmlns:a16="http://schemas.microsoft.com/office/drawing/2014/main" id="{6BC18DE6-ED40-FF48-9A08-A3CB9FAEA7D6}"/>
+              </a:ext>
+            </a:extLst>
+          </p:cNvPr>
+          <p:cNvGrpSpPr/>
+          <p:nvPr/>
+        </p:nvGrpSpPr>
+        <p:grpSpPr>
+          <a:xfrm>
+            <a:off x="5424762" y="284345"/>
+            <a:ext cx="5887689" cy="6289310"/>
+            <a:chOff x="5424762" y="424385"/>
+            <a:chExt cx="5887689" cy="6289310"/>
+          </a:xfrm>
+        </p:grpSpPr>
+        <p:pic>
+          <p:nvPicPr>
+            <p:cNvPr id="4" name="Picture 3" descr="A screenshot of a social media post&#13;&#10;&#13;&#10;Description automatically generated">
+              <a:extLst>
+                <a:ext uri="{FF2B5EF4-FFF2-40B4-BE49-F238E27FC236}">
+                  <a16:creationId xmlns:a16="http://schemas.microsoft.com/office/drawing/2014/main" id="{E5632850-6BB9-2940-89F7-6023E65861A9}"/>
+                </a:ext>
+              </a:extLst>
+            </p:cNvPr>
+            <p:cNvPicPr>
+              <a:picLocks noChangeAspect="1"/>
+            </p:cNvPicPr>
+            <p:nvPr/>
+          </p:nvPicPr>
+          <p:blipFill>
+            <a:blip r:embed="rId2"/>
+            <a:stretch>
+              <a:fillRect/>
+            </a:stretch>
+          </p:blipFill>
+          <p:spPr>
+            <a:xfrm>
+              <a:off x="5424764" y="424385"/>
+              <a:ext cx="5887687" cy="3841714"/>
+            </a:xfrm>
+            <a:prstGeom prst="rect">
+              <a:avLst/>
+            </a:prstGeom>
+          </p:spPr>
+        </p:pic>
+        <p:pic>
+          <p:nvPicPr>
+            <p:cNvPr id="5" name="Picture 4">
+              <a:extLst>
+                <a:ext uri="{FF2B5EF4-FFF2-40B4-BE49-F238E27FC236}">
+                  <a16:creationId xmlns:a16="http://schemas.microsoft.com/office/drawing/2014/main" id="{50DA537A-02AC-0949-A6D2-ACCC12093412}"/>
+                </a:ext>
+              </a:extLst>
+            </p:cNvPr>
+            <p:cNvPicPr>
+              <a:picLocks noChangeAspect="1"/>
+            </p:cNvPicPr>
+            <p:nvPr/>
+          </p:nvPicPr>
+          <p:blipFill>
+            <a:blip r:embed="rId3"/>
+            <a:stretch>
+              <a:fillRect/>
+            </a:stretch>
+          </p:blipFill>
+          <p:spPr>
+            <a:xfrm>
+              <a:off x="5424762" y="4266099"/>
+              <a:ext cx="5887689" cy="2447596"/>
+            </a:xfrm>
+            <a:prstGeom prst="rect">
+              <a:avLst/>
+            </a:prstGeom>
+          </p:spPr>
+        </p:pic>
+      </p:grpSp>
+    </p:spTree>
+    <p:extLst>
+      <p:ext uri="{BB962C8B-B14F-4D97-AF65-F5344CB8AC3E}">
+        <p14:creationId xmlns:p14="http://schemas.microsoft.com/office/powerpoint/2010/main" val="2730594450"/>
       </p:ext>
     </p:extLst>
   </p:cSld>
